--- a/angularjs/ng.pptx
+++ b/angularjs/ng.pptx
@@ -3280,10 +3280,21 @@
               </a:rPr>
             </a:br>
             <a:r>
+              <a:rPr lang="zh-CN" altLang="en-US" strike="sngStrike">
+                <a:solidFill>
+                  <a:schemeClr val="accent1"/>
+                </a:solidFill>
+                <a:uFillTx/>
+                <a:latin typeface="+中文标题" charset="0"/>
+                <a:sym typeface="+mn-ea"/>
+              </a:rPr>
+              <a:t>兼容性</a:t>
+            </a:r>
+            <a:r>
               <a:rPr lang="zh-CN" altLang="en-US">
                 <a:sym typeface="+mn-ea"/>
               </a:rPr>
-              <a:t>兼容性，性能瓶颈</a:t>
+              <a:t>，性能瓶颈</a:t>
             </a:r>
             <a:br>
               <a:rPr lang="zh-CN" altLang="en-US">
@@ -3291,12 +3302,22 @@
               </a:rPr>
             </a:br>
             <a:r>
-              <a:rPr lang="zh-CN" altLang="en-US">
+              <a:rPr lang="zh-CN" altLang="en-US" strike="sngStrike">
+                <a:solidFill>
+                  <a:schemeClr val="accent1"/>
+                </a:solidFill>
+                <a:uFillTx/>
+                <a:latin typeface="+中文标题" charset="0"/>
                 <a:sym typeface="+mn-ea"/>
               </a:rPr>
               <a:t>当前小版本间变化多，坑</a:t>
             </a:r>
-            <a:endParaRPr lang="zh-CN" altLang="en-US">
+            <a:endParaRPr lang="zh-CN" altLang="en-US" strike="sngStrike">
+              <a:solidFill>
+                <a:schemeClr val="accent1"/>
+              </a:solidFill>
+              <a:uFillTx/>
+              <a:latin typeface="+中文标题" charset="0"/>
               <a:sym typeface="+mn-ea"/>
             </a:endParaRPr>
           </a:p>
@@ -3320,7 +3341,7 @@
             </a:r>
             <a:r>
               <a:rPr lang="zh-CN" altLang="en-US"/>
-              <a:t>都有</a:t>
+              <a:t>都有针对</a:t>
             </a:r>
             <a:r>
               <a:rPr lang="en-US" altLang="zh-CN"/>
@@ -3328,7 +3349,7 @@
             </a:r>
             <a:r>
               <a:rPr lang="zh-CN" altLang="en-US"/>
-              <a:t>扩展</a:t>
+              <a:t>的插件（指令集）</a:t>
             </a:r>
             <a:endParaRPr lang="zh-CN" altLang="en-US"/>
           </a:p>
@@ -3617,9 +3638,13 @@
             </a:r>
             <a:r>
               <a:rPr lang="en-US" altLang="zh-CN"/>
-              <a:t>mvvm</a:t>
-            </a:r>
-            <a:endParaRPr lang="en-US" altLang="zh-CN"/>
+              <a:t>mvc</a:t>
+            </a:r>
+            <a:r>
+              <a:rPr lang="zh-CN" altLang="en-US"/>
+              <a:t>库、框架</a:t>
+            </a:r>
+            <a:endParaRPr lang="zh-CN" altLang="en-US"/>
           </a:p>
           <a:p>
             <a:pPr algn="l"/>
@@ -3851,7 +3876,7 @@
                                         <p:tgtEl>
                                           <p:spTgt spid="3">
                                             <p:txEl>
-                                              <p:pRg st="2" end="2"/>
+                                              <p:pRg st="1" end="1"/>
                                             </p:txEl>
                                           </p:spTgt>
                                         </p:tgtEl>
@@ -3869,7 +3894,7 @@
                                         <p:tgtEl>
                                           <p:spTgt spid="3">
                                             <p:txEl>
-                                              <p:pRg st="2" end="2"/>
+                                              <p:pRg st="1" end="1"/>
                                             </p:txEl>
                                           </p:spTgt>
                                         </p:tgtEl>
@@ -3912,7 +3937,7 @@
                                         <p:tgtEl>
                                           <p:spTgt spid="3">
                                             <p:txEl>
-                                              <p:pRg st="3" end="3"/>
+                                              <p:pRg st="2" end="2"/>
                                             </p:txEl>
                                           </p:spTgt>
                                         </p:tgtEl>
@@ -3930,7 +3955,7 @@
                                         <p:tgtEl>
                                           <p:spTgt spid="3">
                                             <p:txEl>
-                                              <p:pRg st="3" end="3"/>
+                                              <p:pRg st="2" end="2"/>
                                             </p:txEl>
                                           </p:spTgt>
                                         </p:tgtEl>
@@ -3973,7 +3998,7 @@
                                         <p:tgtEl>
                                           <p:spTgt spid="3">
                                             <p:txEl>
-                                              <p:pRg st="4" end="4"/>
+                                              <p:pRg st="3" end="3"/>
                                             </p:txEl>
                                           </p:spTgt>
                                         </p:tgtEl>
@@ -3991,7 +4016,7 @@
                                         <p:tgtEl>
                                           <p:spTgt spid="3">
                                             <p:txEl>
-                                              <p:pRg st="4" end="4"/>
+                                              <p:pRg st="3" end="3"/>
                                             </p:txEl>
                                           </p:spTgt>
                                         </p:tgtEl>
@@ -4034,7 +4059,7 @@
                                         <p:tgtEl>
                                           <p:spTgt spid="3">
                                             <p:txEl>
-                                              <p:pRg st="5" end="5"/>
+                                              <p:pRg st="4" end="4"/>
                                             </p:txEl>
                                           </p:spTgt>
                                         </p:tgtEl>
@@ -4052,7 +4077,7 @@
                                         <p:tgtEl>
                                           <p:spTgt spid="3">
                                             <p:txEl>
-                                              <p:pRg st="5" end="5"/>
+                                              <p:pRg st="4" end="4"/>
                                             </p:txEl>
                                           </p:spTgt>
                                         </p:tgtEl>
@@ -4095,7 +4120,7 @@
                                         <p:tgtEl>
                                           <p:spTgt spid="3">
                                             <p:txEl>
-                                              <p:pRg st="6" end="6"/>
+                                              <p:pRg st="5" end="5"/>
                                             </p:txEl>
                                           </p:spTgt>
                                         </p:tgtEl>
@@ -4113,7 +4138,7 @@
                                         <p:tgtEl>
                                           <p:spTgt spid="3">
                                             <p:txEl>
-                                              <p:pRg st="6" end="6"/>
+                                              <p:pRg st="5" end="5"/>
                                             </p:txEl>
                                           </p:spTgt>
                                         </p:tgtEl>
@@ -4156,7 +4181,7 @@
                                         <p:tgtEl>
                                           <p:spTgt spid="3">
                                             <p:txEl>
-                                              <p:pRg st="7" end="7"/>
+                                              <p:pRg st="6" end="6"/>
                                             </p:txEl>
                                           </p:spTgt>
                                         </p:tgtEl>
@@ -4174,7 +4199,7 @@
                                         <p:tgtEl>
                                           <p:spTgt spid="3">
                                             <p:txEl>
-                                              <p:pRg st="7" end="7"/>
+                                              <p:pRg st="6" end="6"/>
                                             </p:txEl>
                                           </p:spTgt>
                                         </p:tgtEl>
@@ -4211,7 +4236,7 @@
       </p:par>
     </p:tnLst>
     <p:bldLst>
-      <p:bldP spid="3" grpId="0" uiExpand="1" build="p"/>
+      <p:bldP spid="3" grpId="0" build="p"/>
     </p:bldLst>
   </p:timing>
 </p:sld>
@@ -4523,14 +4548,11 @@
               </a:rPr>
               <a:t>轻如鸿毛</a:t>
             </a:r>
-            <a:endParaRPr sz="4400">
-              <a:sym typeface="+mn-ea"/>
-            </a:endParaRPr>
-          </a:p>
-          <a:p>
-            <a:pPr marL="0" indent="0" algn="ctr">
-              <a:buNone/>
-            </a:pPr>
+            <a:br>
+              <a:rPr sz="4400">
+                <a:sym typeface="+mn-ea"/>
+              </a:rPr>
+            </a:br>
             <a:r>
               <a:rPr sz="4400">
                 <a:sym typeface="+mn-ea"/>
@@ -4617,67 +4639,6 @@
                       </p:childTnLst>
                     </p:cTn>
                   </p:par>
-                  <p:par>
-                    <p:cTn id="8" fill="hold">
-                      <p:stCondLst>
-                        <p:cond delay="indefinite"/>
-                      </p:stCondLst>
-                      <p:childTnLst>
-                        <p:par>
-                          <p:cTn id="9" fill="hold">
-                            <p:stCondLst>
-                              <p:cond delay="0"/>
-                            </p:stCondLst>
-                            <p:childTnLst>
-                              <p:par>
-                                <p:cTn id="10" presetID="3" presetClass="entr" presetSubtype="10" fill="hold" grpId="0" nodeType="clickEffect">
-                                  <p:stCondLst>
-                                    <p:cond delay="0"/>
-                                  </p:stCondLst>
-                                  <p:childTnLst>
-                                    <p:set>
-                                      <p:cBhvr>
-                                        <p:cTn id="11" dur="1" fill="hold">
-                                          <p:stCondLst>
-                                            <p:cond delay="0"/>
-                                          </p:stCondLst>
-                                        </p:cTn>
-                                        <p:tgtEl>
-                                          <p:spTgt spid="3">
-                                            <p:txEl>
-                                              <p:pRg st="1" end="1"/>
-                                            </p:txEl>
-                                          </p:spTgt>
-                                        </p:tgtEl>
-                                        <p:attrNameLst>
-                                          <p:attrName>style.visibility</p:attrName>
-                                        </p:attrNameLst>
-                                      </p:cBhvr>
-                                      <p:to>
-                                        <p:strVal val="visible"/>
-                                      </p:to>
-                                    </p:set>
-                                    <p:animEffect transition="in" filter="blinds(horizontal)">
-                                      <p:cBhvr>
-                                        <p:cTn id="12" dur="500"/>
-                                        <p:tgtEl>
-                                          <p:spTgt spid="3">
-                                            <p:txEl>
-                                              <p:pRg st="1" end="1"/>
-                                            </p:txEl>
-                                          </p:spTgt>
-                                        </p:tgtEl>
-                                      </p:cBhvr>
-                                    </p:animEffect>
-                                  </p:childTnLst>
-                                </p:cTn>
-                              </p:par>
-                            </p:childTnLst>
-                          </p:cTn>
-                        </p:par>
-                      </p:childTnLst>
-                    </p:cTn>
-                  </p:par>
                 </p:childTnLst>
               </p:cTn>
               <p:prevCondLst>
@@ -4700,7 +4661,7 @@
       </p:par>
     </p:tnLst>
     <p:bldLst>
-      <p:bldP spid="3" grpId="0" uiExpand="1" build="p"/>
+      <p:bldP spid="3" grpId="0" build="p"/>
     </p:bldLst>
   </p:timing>
 </p:sld>
@@ -4773,7 +4734,7 @@
               <a:rPr lang="en-US" altLang="zh-CN" sz="2200">
                 <a:sym typeface="+mn-ea"/>
               </a:rPr>
-              <a:t>underscore</a:t>
+              <a:t>underscore/lodash</a:t>
             </a:r>
             <a:r>
               <a:rPr lang="zh-CN" altLang="en-US" sz="2200">
@@ -4809,7 +4770,7 @@
               <a:rPr lang="zh-CN" altLang="en-US" sz="2200">
                 <a:sym typeface="+mn-ea"/>
               </a:rPr>
-              <a:t>是一个完整的前端</a:t>
+              <a:t>实现了一个完整的、前端的</a:t>
             </a:r>
             <a:r>
               <a:rPr lang="en-US" altLang="zh-CN" sz="2200">
@@ -4862,6 +4823,18 @@
               <a:rPr lang="zh-CN" altLang="en-US" sz="2200">
                 <a:sym typeface="+mn-ea"/>
               </a:rPr>
+              <a:t>、</a:t>
+            </a:r>
+            <a:r>
+              <a:rPr lang="en-US" altLang="zh-CN" sz="2200">
+                <a:sym typeface="+mn-ea"/>
+              </a:rPr>
+              <a:t>$resoruce</a:t>
+            </a:r>
+            <a:r>
+              <a:rPr lang="zh-CN" altLang="en-US" sz="2200">
+                <a:sym typeface="+mn-ea"/>
+              </a:rPr>
               <a:t>）</a:t>
             </a:r>
             <a:br>
@@ -5042,6 +5015,18 @@
                 <a:sym typeface="+mn-ea"/>
               </a:rPr>
               <a:t>ng-repeat</a:t>
+            </a:r>
+            <a:r>
+              <a:rPr lang="zh-CN" altLang="en-US" sz="2200">
+                <a:sym typeface="+mn-ea"/>
+              </a:rPr>
+              <a:t>、</a:t>
+            </a:r>
+            <a:r>
+              <a:rPr lang="en-US" altLang="zh-CN" sz="2200">
+                <a:sym typeface="+mn-ea"/>
+              </a:rPr>
+              <a:t>ng-options</a:t>
             </a:r>
             <a:r>
               <a:rPr lang="zh-CN" altLang="en-US" sz="2200">
@@ -5416,7 +5401,7 @@
               <a:t>？</a:t>
             </a:r>
             <a:r>
-              <a:rPr lang="en-US" altLang="zh-CN"/>
+              <a:rPr lang="en-US" altLang="zh-CN" u="sng"/>
               <a:t>MVVM</a:t>
             </a:r>
             <a:r>
@@ -5424,10 +5409,10 @@
               <a:t>？</a:t>
             </a:r>
             <a:r>
-              <a:rPr lang="en-US" altLang="zh-CN" u="sng"/>
+              <a:rPr lang="en-US" altLang="zh-CN"/>
               <a:t>MVW</a:t>
             </a:r>
-            <a:endParaRPr lang="en-US" altLang="zh-CN" u="sng"/>
+            <a:endParaRPr lang="en-US" altLang="zh-CN"/>
           </a:p>
         </p:txBody>
       </p:sp>
@@ -5454,128 +5439,170 @@
               <a:buNone/>
             </a:pPr>
             <a:r>
-              <a:rPr lang="zh-CN" altLang="en-US" u="sng"/>
+              <a:rPr lang="zh-CN" altLang="en-US" sz="2000" u="sng"/>
               <a:t>前端</a:t>
             </a:r>
             <a:r>
-              <a:rPr lang="zh-CN" altLang="en-US"/>
+              <a:rPr lang="zh-CN" altLang="en-US" sz="2000"/>
               <a:t>的</a:t>
             </a:r>
             <a:r>
-              <a:rPr lang="en-US" altLang="zh-CN"/>
+              <a:rPr lang="en-US" altLang="zh-CN" sz="2000"/>
               <a:t>mvc/mvvm/mvw       </a:t>
             </a:r>
             <a:r>
-              <a:rPr lang="en-US" altLang="zh-CN" b="1">
+              <a:rPr lang="en-US" altLang="zh-CN" sz="2000" b="1">
                 <a:sym typeface="+mn-ea"/>
               </a:rPr>
               <a:t>M</a:t>
             </a:r>
             <a:r>
+              <a:rPr lang="en-US" altLang="zh-CN" sz="2000">
+                <a:sym typeface="+mn-ea"/>
+              </a:rPr>
+              <a:t>odel-</a:t>
+            </a:r>
+            <a:r>
+              <a:rPr lang="en-US" altLang="zh-CN" sz="2000" b="1">
+                <a:sym typeface="+mn-ea"/>
+              </a:rPr>
+              <a:t>V</a:t>
+            </a:r>
+            <a:r>
+              <a:rPr lang="en-US" altLang="zh-CN" sz="2000">
+                <a:sym typeface="+mn-ea"/>
+              </a:rPr>
+              <a:t>iew-</a:t>
+            </a:r>
+            <a:r>
+              <a:rPr lang="en-US" altLang="zh-CN" sz="2000" b="1">
+                <a:sym typeface="+mn-ea"/>
+              </a:rPr>
+              <a:t>C</a:t>
+            </a:r>
+            <a:r>
+              <a:rPr lang="en-US" altLang="zh-CN" sz="2000">
+                <a:sym typeface="+mn-ea"/>
+              </a:rPr>
+              <a:t>ontroller</a:t>
+            </a:r>
+            <a:br>
+              <a:rPr lang="en-US" altLang="zh-CN" sz="2000"/>
+            </a:br>
+            <a:r>
+              <a:rPr lang="en-US" altLang="zh-CN" sz="2000"/>
+              <a:t>                                            </a:t>
+            </a:r>
+            <a:r>
+              <a:rPr lang="en-US" altLang="zh-CN" sz="2000" b="1"/>
+              <a:t>M</a:t>
+            </a:r>
+            <a:r>
+              <a:rPr lang="en-US" altLang="zh-CN" sz="2000"/>
+              <a:t>odel-</a:t>
+            </a:r>
+            <a:r>
+              <a:rPr lang="en-US" altLang="zh-CN" sz="2000" b="1"/>
+              <a:t>V</a:t>
+            </a:r>
+            <a:r>
+              <a:rPr lang="en-US" altLang="zh-CN" sz="2000"/>
+              <a:t>iew-</a:t>
+            </a:r>
+            <a:r>
+              <a:rPr lang="en-US" altLang="zh-CN" sz="2000" b="1"/>
+              <a:t>V</a:t>
+            </a:r>
+            <a:r>
+              <a:rPr lang="en-US" altLang="zh-CN" sz="2000"/>
+              <a:t>iew</a:t>
+            </a:r>
+            <a:r>
+              <a:rPr lang="en-US" altLang="zh-CN" sz="2000" b="1"/>
+              <a:t>M</a:t>
+            </a:r>
+            <a:r>
+              <a:rPr lang="en-US" altLang="zh-CN" sz="2000"/>
+              <a:t>ode</a:t>
+            </a:r>
+            <a:br>
+              <a:rPr lang="en-US" altLang="zh-CN" sz="2000"/>
+            </a:br>
+            <a:r>
+              <a:rPr lang="en-US" altLang="zh-CN" sz="2000"/>
+              <a:t>                                            </a:t>
+            </a:r>
+            <a:r>
+              <a:rPr lang="en-US" altLang="zh-CN" sz="2000" b="1">
+                <a:sym typeface="+mn-ea"/>
+              </a:rPr>
+              <a:t>M</a:t>
+            </a:r>
+            <a:r>
+              <a:rPr lang="en-US" altLang="zh-CN" sz="2000">
+                <a:sym typeface="+mn-ea"/>
+              </a:rPr>
+              <a:t>odel-</a:t>
+            </a:r>
+            <a:r>
+              <a:rPr lang="en-US" altLang="zh-CN" sz="2000" b="1">
+                <a:sym typeface="+mn-ea"/>
+              </a:rPr>
+              <a:t>V</a:t>
+            </a:r>
+            <a:r>
+              <a:rPr lang="en-US" altLang="zh-CN" sz="2000">
+                <a:sym typeface="+mn-ea"/>
+              </a:rPr>
+              <a:t>iew-</a:t>
+            </a:r>
+            <a:r>
+              <a:rPr lang="en-US" altLang="zh-CN" sz="2000" b="1">
+                <a:sym typeface="+mn-ea"/>
+              </a:rPr>
+              <a:t>W</a:t>
+            </a:r>
+            <a:r>
+              <a:rPr lang="en-US" altLang="zh-CN" sz="2000">
+                <a:sym typeface="+mn-ea"/>
+              </a:rPr>
+              <a:t>hatever</a:t>
+            </a:r>
+            <a:endParaRPr lang="en-US" altLang="zh-CN" sz="2000">
+              <a:sym typeface="+mn-ea"/>
+            </a:endParaRPr>
+          </a:p>
+          <a:p>
+            <a:pPr marL="0" indent="0" algn="l">
+              <a:buNone/>
+            </a:pPr>
+            <a:r>
               <a:rPr lang="en-US" altLang="zh-CN">
                 <a:sym typeface="+mn-ea"/>
               </a:rPr>
-              <a:t>odel-</a:t>
-            </a:r>
-            <a:r>
-              <a:rPr lang="en-US" altLang="zh-CN" b="1">
-                <a:sym typeface="+mn-ea"/>
-              </a:rPr>
-              <a:t>V</a:t>
+              <a:t>so</a:t>
+            </a:r>
+            <a:r>
+              <a:rPr lang="zh-CN" altLang="en-US">
+                <a:sym typeface="+mn-ea"/>
+              </a:rPr>
+              <a:t>，</a:t>
             </a:r>
             <a:r>
               <a:rPr lang="en-US" altLang="zh-CN">
                 <a:sym typeface="+mn-ea"/>
               </a:rPr>
-              <a:t>iew-</a:t>
-            </a:r>
-            <a:r>
-              <a:rPr lang="en-US" altLang="zh-CN" b="1">
-                <a:sym typeface="+mn-ea"/>
-              </a:rPr>
-              <a:t>C</a:t>
-            </a:r>
-            <a:r>
-              <a:rPr lang="en-US" altLang="zh-CN">
-                <a:sym typeface="+mn-ea"/>
-              </a:rPr>
-              <a:t>ontroller</a:t>
-            </a:r>
-            <a:br>
-              <a:rPr lang="en-US" altLang="zh-CN"/>
-            </a:br>
-            <a:r>
-              <a:rPr lang="en-US" altLang="zh-CN"/>
-              <a:t>                                            </a:t>
-            </a:r>
-            <a:r>
-              <a:rPr lang="en-US" altLang="zh-CN" b="1"/>
-              <a:t>M</a:t>
-            </a:r>
-            <a:r>
-              <a:rPr lang="en-US" altLang="zh-CN"/>
-              <a:t>odel-</a:t>
-            </a:r>
-            <a:r>
-              <a:rPr lang="en-US" altLang="zh-CN" b="1"/>
-              <a:t>V</a:t>
-            </a:r>
-            <a:r>
-              <a:rPr lang="en-US" altLang="zh-CN"/>
-              <a:t>iew-</a:t>
-            </a:r>
-            <a:r>
-              <a:rPr lang="en-US" altLang="zh-CN" b="1"/>
-              <a:t>V</a:t>
-            </a:r>
-            <a:r>
-              <a:rPr lang="en-US" altLang="zh-CN"/>
-              <a:t>iewMode</a:t>
-            </a:r>
-            <a:br>
-              <a:rPr lang="en-US" altLang="zh-CN"/>
-            </a:br>
-            <a:r>
-              <a:rPr lang="en-US" altLang="zh-CN"/>
-              <a:t>                                            </a:t>
-            </a:r>
-            <a:r>
-              <a:rPr lang="en-US" altLang="zh-CN" b="1">
-                <a:sym typeface="+mn-ea"/>
-              </a:rPr>
-              <a:t>M</a:t>
-            </a:r>
-            <a:r>
-              <a:rPr lang="en-US" altLang="zh-CN">
-                <a:sym typeface="+mn-ea"/>
-              </a:rPr>
-              <a:t>odel-</a:t>
-            </a:r>
-            <a:r>
-              <a:rPr lang="en-US" altLang="zh-CN" b="1">
-                <a:sym typeface="+mn-ea"/>
-              </a:rPr>
-              <a:t>V</a:t>
-            </a:r>
-            <a:r>
-              <a:rPr lang="en-US" altLang="zh-CN">
-                <a:sym typeface="+mn-ea"/>
-              </a:rPr>
-              <a:t>iew-</a:t>
-            </a:r>
-            <a:r>
-              <a:rPr lang="en-US" altLang="zh-CN" b="1">
-                <a:sym typeface="+mn-ea"/>
-              </a:rPr>
-              <a:t>W</a:t>
-            </a:r>
-            <a:r>
-              <a:rPr lang="en-US" altLang="zh-CN">
-                <a:sym typeface="+mn-ea"/>
-              </a:rPr>
-              <a:t>hatever</a:t>
-            </a:r>
-            <a:endParaRPr lang="en-US" altLang="zh-CN"/>
+              <a:t>what</a:t>
+            </a:r>
+            <a:r>
+              <a:rPr lang="zh-CN" altLang="en-US">
+                <a:sym typeface="+mn-ea"/>
+              </a:rPr>
+              <a:t>？</a:t>
+            </a:r>
+            <a:endParaRPr lang="zh-CN" altLang="en-US">
+              <a:sym typeface="+mn-ea"/>
+            </a:endParaRPr>
           </a:p>
           <a:p>
             <a:pPr algn="l"/>
@@ -5615,9 +5642,13 @@
             </a:r>
             <a:r>
               <a:rPr lang="zh-CN" altLang="en-US" sz="2200"/>
-              <a:t>）。数据载体</a:t>
-            </a:r>
-            <a:endParaRPr lang="zh-CN" altLang="en-US" sz="2200"/>
+              <a:t>）。</a:t>
+            </a:r>
+            <a:r>
+              <a:rPr lang="zh-CN" altLang="en-US" sz="2200" u="sng"/>
+              <a:t>数据载体</a:t>
+            </a:r>
+            <a:endParaRPr lang="zh-CN" altLang="en-US" sz="2200" u="sng"/>
           </a:p>
           <a:p>
             <a:pPr algn="l"/>
@@ -5627,7 +5658,15 @@
             </a:r>
             <a:r>
               <a:rPr lang="zh-CN" altLang="en-US" sz="2200"/>
-              <a:t>：声明式Directive的视图模板，浏览器将</a:t>
+              <a:t>：声明式的</a:t>
+            </a:r>
+            <a:r>
+              <a:rPr lang="zh-CN" altLang="en-US" sz="2200" u="sng"/>
+              <a:t>视图模板</a:t>
+            </a:r>
+            <a:r>
+              <a:rPr lang="zh-CN" altLang="en-US" sz="2200"/>
+              <a:t>，浏览器将</a:t>
             </a:r>
             <a:r>
               <a:rPr lang="en-US" altLang="zh-CN" sz="2200"/>
@@ -5719,19 +5758,13 @@
               <a:rPr lang="en-US" altLang="zh-CN" sz="2200">
                 <a:sym typeface="+mn-ea"/>
               </a:rPr>
-              <a:t>mv</a:t>
+              <a:t>mode &amp; view </a:t>
             </a:r>
             <a:r>
               <a:rPr lang="zh-CN" altLang="en-US" sz="2200">
                 <a:sym typeface="+mn-ea"/>
               </a:rPr>
-              <a:t>的</a:t>
-            </a:r>
-            <a:r>
-              <a:rPr lang="zh-CN" altLang="en-US" sz="2200">
-                <a:sym typeface="+mn-ea"/>
-              </a:rPr>
-              <a:t>粘合剂（过滤器、模板、表达式、指令</a:t>
+              <a:t>的粘合剂（过滤器、模板、表达式、指令</a:t>
             </a:r>
             <a:r>
               <a:rPr lang="en-US" altLang="zh-CN" sz="2200">
@@ -5763,17 +5796,33 @@
               <a:rPr lang="zh-CN" altLang="en-US" sz="2200">
                 <a:sym typeface="+mn-ea"/>
               </a:rPr>
-              <a:t>控制器</a:t>
+              <a:t>控制器，</a:t>
             </a:r>
             <a:r>
               <a:rPr lang="en-US" altLang="zh-CN" sz="2200">
                 <a:sym typeface="+mn-ea"/>
               </a:rPr>
-              <a:t> </a:t>
+              <a:t>VM</a:t>
+            </a:r>
+            <a:r>
+              <a:rPr lang="zh-CN" altLang="en-US" sz="2200">
+                <a:sym typeface="+mn-ea"/>
+              </a:rPr>
+              <a:t>的一部分，</a:t>
             </a:r>
             <a:r>
               <a:rPr lang="zh-CN" altLang="en-US" sz="2200"/>
-              <a:t>加载、操作、加工作用域</a:t>
+              <a:t>加载、加工</a:t>
+            </a:r>
+            <a:r>
+              <a:rPr lang="zh-CN" altLang="en-US" sz="2200">
+                <a:sym typeface="+mn-ea"/>
+              </a:rPr>
+              <a:t>、操作</a:t>
+            </a:r>
+            <a:r>
+              <a:rPr lang="zh-CN" altLang="en-US" sz="2200"/>
+              <a:t>作用域</a:t>
             </a:r>
             <a:r>
               <a:rPr lang="en-US" altLang="zh-CN" sz="2200"/>
@@ -5781,7 +5830,15 @@
             </a:r>
             <a:r>
               <a:rPr lang="zh-CN" altLang="en-US" sz="2200"/>
-              <a:t>的函数，负责ViewModel的初始化，大量的业务编程发生在这里</a:t>
+              <a:t>的函数，负责</a:t>
+            </a:r>
+            <a:r>
+              <a:rPr lang="zh-CN" altLang="en-US" sz="2200" u="sng"/>
+              <a:t>ViewModel的初始化</a:t>
+            </a:r>
+            <a:r>
+              <a:rPr lang="zh-CN" altLang="en-US" sz="2200"/>
+              <a:t>，大量的业务编程发生在这里</a:t>
             </a:r>
             <a:endParaRPr lang="zh-CN" altLang="en-US" sz="2200"/>
           </a:p>
@@ -6450,6 +6507,109 @@
                       </p:childTnLst>
                     </p:cTn>
                   </p:par>
+                  <p:par>
+                    <p:cTn id="39" fill="hold">
+                      <p:stCondLst>
+                        <p:cond delay="indefinite"/>
+                      </p:stCondLst>
+                      <p:childTnLst>
+                        <p:par>
+                          <p:cTn id="40" fill="hold">
+                            <p:stCondLst>
+                              <p:cond delay="0"/>
+                            </p:stCondLst>
+                            <p:childTnLst>
+                              <p:par>
+                                <p:cTn id="41" presetID="2" presetClass="entr" presetSubtype="4" fill="hold" grpId="0" nodeType="clickEffect">
+                                  <p:stCondLst>
+                                    <p:cond delay="0"/>
+                                  </p:stCondLst>
+                                  <p:childTnLst>
+                                    <p:set>
+                                      <p:cBhvr>
+                                        <p:cTn id="42" dur="1" fill="hold">
+                                          <p:stCondLst>
+                                            <p:cond delay="0"/>
+                                          </p:stCondLst>
+                                        </p:cTn>
+                                        <p:tgtEl>
+                                          <p:spTgt spid="3">
+                                            <p:txEl>
+                                              <p:pRg st="6" end="6"/>
+                                            </p:txEl>
+                                          </p:spTgt>
+                                        </p:tgtEl>
+                                        <p:attrNameLst>
+                                          <p:attrName>style.visibility</p:attrName>
+                                        </p:attrNameLst>
+                                      </p:cBhvr>
+                                      <p:to>
+                                        <p:strVal val="visible"/>
+                                      </p:to>
+                                    </p:set>
+                                    <p:anim calcmode="lin" valueType="num">
+                                      <p:cBhvr additive="base">
+                                        <p:cTn id="43" dur="500" fill="hold"/>
+                                        <p:tgtEl>
+                                          <p:spTgt spid="3">
+                                            <p:txEl>
+                                              <p:pRg st="6" end="6"/>
+                                            </p:txEl>
+                                          </p:spTgt>
+                                        </p:tgtEl>
+                                        <p:attrNameLst>
+                                          <p:attrName>ppt_x</p:attrName>
+                                        </p:attrNameLst>
+                                      </p:cBhvr>
+                                      <p:tavLst>
+                                        <p:tav tm="0">
+                                          <p:val>
+                                            <p:strVal val="#ppt_x"/>
+                                          </p:val>
+                                        </p:tav>
+                                        <p:tav tm="100000">
+                                          <p:val>
+                                            <p:strVal val="#ppt_x"/>
+                                          </p:val>
+                                        </p:tav>
+                                      </p:tavLst>
+                                    </p:anim>
+                                    <p:anim calcmode="lin" valueType="num">
+                                      <p:cBhvr additive="base">
+                                        <p:cTn id="44" dur="500" fill="hold"/>
+                                        <p:tgtEl>
+                                          <p:spTgt spid="3">
+                                            <p:txEl>
+                                              <p:pRg st="6" end="6"/>
+                                            </p:txEl>
+                                          </p:spTgt>
+                                        </p:tgtEl>
+                                        <p:attrNameLst>
+                                          <p:attrName>ppt_y</p:attrName>
+                                        </p:attrNameLst>
+                                      </p:cBhvr>
+                                      <p:tavLst>
+                                        <p:tav tm="0">
+                                          <p:val>
+                                            <p:strVal val="1+#ppt_h/2"/>
+                                          </p:val>
+                                        </p:tav>
+                                        <p:tav tm="100000">
+                                          <p:val>
+                                            <p:strVal val="#ppt_y"/>
+                                          </p:val>
+                                        </p:tav>
+                                      </p:tavLst>
+                                    </p:anim>
+                                  </p:childTnLst>
+                                </p:cTn>
+                              </p:par>
+                            </p:childTnLst>
+                          </p:cTn>
+                        </p:par>
+                      </p:childTnLst>
+                    </p:cTn>
+                  </p:par>
                 </p:childTnLst>
               </p:cTn>
               <p:prevCondLst>
@@ -6472,7 +6632,7 @@
       </p:par>
     </p:tnLst>
     <p:bldLst>
-      <p:bldP spid="3" grpId="0" uiExpand="1" build="p"/>
+      <p:bldP spid="3" grpId="0" build="p"/>
     </p:bldLst>
   </p:timing>
 </p:sld>
@@ -6594,7 +6754,7 @@
         </p:blipFill>
         <p:spPr>
           <a:xfrm>
-            <a:off x="1869440" y="1526540"/>
+            <a:off x="1898650" y="1526540"/>
             <a:ext cx="8616950" cy="4816475"/>
           </a:xfrm>
           <a:prstGeom prst="rect">
@@ -6680,7 +6840,7 @@
             </a:r>
             <a:r>
               <a:rPr lang="zh-CN" altLang="en-US"/>
-              <a:t>脏检查机制，Object.observe()</a:t>
+              <a:t>脏检查机制</a:t>
             </a:r>
             <a:endParaRPr lang="zh-CN" altLang="en-US"/>
           </a:p>
@@ -6726,7 +6886,31 @@
               <a:rPr lang="zh-CN" altLang="en-US">
                 <a:sym typeface="+mn-ea"/>
               </a:rPr>
-              <a:t>实时将更新的数据体现在视图</a:t>
+              <a:t>实时将更新的数据体现在视图（</a:t>
+            </a:r>
+            <a:r>
+              <a:rPr lang="en-US" altLang="zh-CN">
+                <a:sym typeface="+mn-ea"/>
+              </a:rPr>
+              <a:t>jQlite</a:t>
+            </a:r>
+            <a:r>
+              <a:rPr lang="zh-CN" altLang="en-US">
+                <a:sym typeface="+mn-ea"/>
+              </a:rPr>
+              <a:t>、</a:t>
+            </a:r>
+            <a:r>
+              <a:rPr lang="en-US" altLang="zh-CN">
+                <a:sym typeface="+mn-ea"/>
+              </a:rPr>
+              <a:t>DOM</a:t>
+            </a:r>
+            <a:r>
+              <a:rPr lang="zh-CN" altLang="en-US">
+                <a:sym typeface="+mn-ea"/>
+              </a:rPr>
+              <a:t>操作）</a:t>
             </a:r>
             <a:endParaRPr lang="zh-CN" altLang="en-US">
               <a:sym typeface="+mn-ea"/>
@@ -6744,7 +6928,19 @@
               <a:rPr lang="zh-CN" altLang="en-US">
                 <a:sym typeface="+mn-ea"/>
               </a:rPr>
-              <a:t>：在开发时</a:t>
+              <a:t>：在开发时（</a:t>
+            </a:r>
+            <a:r>
+              <a:rPr lang="en-US" altLang="zh-CN">
+                <a:sym typeface="+mn-ea"/>
+              </a:rPr>
+              <a:t>jq &amp; ng</a:t>
+            </a:r>
+            <a:r>
+              <a:rPr lang="zh-CN" altLang="en-US">
+                <a:sym typeface="+mn-ea"/>
+              </a:rPr>
+              <a:t>）</a:t>
             </a:r>
             <a:r>
               <a:rPr lang="en-US" altLang="zh-CN">
@@ -6966,7 +7162,7 @@
                             </p:stCondLst>
                             <p:childTnLst>
                               <p:par>
-                                <p:cTn id="5" presetID="5" presetClass="entr" presetSubtype="10" fill="hold" grpId="0" nodeType="clickEffect">
+                                <p:cTn id="5" presetID="4" presetClass="entr" presetSubtype="16" fill="hold" grpId="0" nodeType="clickEffect">
                                   <p:stCondLst>
                                     <p:cond delay="0"/>
                                   </p:stCondLst>
@@ -6979,7 +7175,11 @@
                                           </p:stCondLst>
                                         </p:cTn>
                                         <p:tgtEl>
-                                          <p:spTgt spid="2"/>
+                                          <p:spTgt spid="3">
+                                            <p:txEl>
+                                              <p:pRg st="0" end="0"/>
+                                            </p:txEl>
+                                          </p:spTgt>
                                         </p:tgtEl>
                                         <p:attrNameLst>
                                           <p:attrName>style.visibility</p:attrName>
@@ -6989,11 +7189,15 @@
                                         <p:strVal val="visible"/>
                                       </p:to>
                                     </p:set>
-                                    <p:animEffect transition="in" filter="checkerboard(across)">
+                                    <p:animEffect transition="in" filter="box(in)">
                                       <p:cBhvr>
-                                        <p:cTn id="7" dur="500"/>
+                                        <p:cTn id="7" dur="2000"/>
                                         <p:tgtEl>
-                                          <p:spTgt spid="2"/>
+                                          <p:spTgt spid="3">
+                                            <p:txEl>
+                                              <p:pRg st="0" end="0"/>
+                                            </p:txEl>
+                                          </p:spTgt>
                                         </p:tgtEl>
                                       </p:cBhvr>
                                     </p:animEffect>
@@ -7019,15 +7223,10 @@
                             </p:stCondLst>
                             <p:childTnLst>
                               <p:par>
-                                <p:cTn id="10" presetID="5" presetClass="entr" presetSubtype="10" fill="hold" grpId="0" nodeType="clickEffect" nodePh="1">
+                                <p:cTn id="10" presetID="4" presetClass="entr" presetSubtype="16" fill="hold" grpId="0" nodeType="clickEffect">
                                   <p:stCondLst>
                                     <p:cond delay="0"/>
                                   </p:stCondLst>
-                                  <p:endCondLst>
-                                    <p:cond evt="begin" delay="0">
-                                      <p:tn val="10"/>
-                                    </p:cond>
-                                  </p:endCondLst>
                                   <p:childTnLst>
                                     <p:set>
                                       <p:cBhvr>
@@ -7039,7 +7238,7 @@
                                         <p:tgtEl>
                                           <p:spTgt spid="3">
                                             <p:txEl>
-                                              <p:pRg st="0" end="0"/>
+                                              <p:pRg st="1" end="1"/>
                                             </p:txEl>
                                           </p:spTgt>
                                         </p:tgtEl>
@@ -7051,13 +7250,13 @@
                                         <p:strVal val="visible"/>
                                       </p:to>
                                     </p:set>
-                                    <p:animEffect transition="in" filter="checkerboard(across)">
+                                    <p:animEffect transition="in" filter="box(in)">
                                       <p:cBhvr>
-                                        <p:cTn id="12" dur="500"/>
+                                        <p:cTn id="12" dur="2000"/>
                                         <p:tgtEl>
                                           <p:spTgt spid="3">
                                             <p:txEl>
-                                              <p:pRg st="0" end="0"/>
+                                              <p:pRg st="1" end="1"/>
                                             </p:txEl>
                                           </p:spTgt>
                                         </p:tgtEl>
@@ -7085,15 +7284,10 @@
                             </p:stCondLst>
                             <p:childTnLst>
                               <p:par>
-                                <p:cTn id="15" presetID="5" presetClass="entr" presetSubtype="10" fill="hold" grpId="0" nodeType="clickEffect" nodePh="1">
+                                <p:cTn id="15" presetID="4" presetClass="entr" presetSubtype="16" fill="hold" grpId="0" nodeType="clickEffect">
                                   <p:stCondLst>
                                     <p:cond delay="0"/>
                                   </p:stCondLst>
-                                  <p:endCondLst>
-                                    <p:cond evt="begin" delay="0">
-                                      <p:tn val="15"/>
-                                    </p:cond>
-                                  </p:endCondLst>
                                   <p:childTnLst>
                                     <p:set>
                                       <p:cBhvr>
@@ -7105,7 +7299,7 @@
                                         <p:tgtEl>
                                           <p:spTgt spid="3">
                                             <p:txEl>
-                                              <p:pRg st="1" end="1"/>
+                                              <p:pRg st="2" end="2"/>
                                             </p:txEl>
                                           </p:spTgt>
                                         </p:tgtEl>
@@ -7117,13 +7311,13 @@
                                         <p:strVal val="visible"/>
                                       </p:to>
                                     </p:set>
-                                    <p:animEffect transition="in" filter="checkerboard(across)">
+                                    <p:animEffect transition="in" filter="box(in)">
                                       <p:cBhvr>
-                                        <p:cTn id="17" dur="500"/>
+                                        <p:cTn id="17" dur="2000"/>
                                         <p:tgtEl>
                                           <p:spTgt spid="3">
                                             <p:txEl>
-                                              <p:pRg st="1" end="1"/>
+                                              <p:pRg st="2" end="2"/>
                                             </p:txEl>
                                           </p:spTgt>
                                         </p:tgtEl>
@@ -7151,15 +7345,10 @@
                             </p:stCondLst>
                             <p:childTnLst>
                               <p:par>
-                                <p:cTn id="20" presetID="5" presetClass="entr" presetSubtype="10" fill="hold" grpId="0" nodeType="clickEffect" nodePh="1">
+                                <p:cTn id="20" presetID="4" presetClass="entr" presetSubtype="16" fill="hold" grpId="0" nodeType="clickEffect">
                                   <p:stCondLst>
                                     <p:cond delay="0"/>
                                   </p:stCondLst>
-                                  <p:endCondLst>
-                                    <p:cond evt="begin" delay="0">
-                                      <p:tn val="20"/>
-                                    </p:cond>
-                                  </p:endCondLst>
                                   <p:childTnLst>
                                     <p:set>
                                       <p:cBhvr>
@@ -7171,7 +7360,7 @@
                                         <p:tgtEl>
                                           <p:spTgt spid="3">
                                             <p:txEl>
-                                              <p:pRg st="2" end="2"/>
+                                              <p:pRg st="3" end="3"/>
                                             </p:txEl>
                                           </p:spTgt>
                                         </p:tgtEl>
@@ -7183,79 +7372,13 @@
                                         <p:strVal val="visible"/>
                                       </p:to>
                                     </p:set>
-                                    <p:animEffect transition="in" filter="checkerboard(across)">
+                                    <p:animEffect transition="in" filter="box(in)">
                                       <p:cBhvr>
-                                        <p:cTn id="22" dur="500"/>
+                                        <p:cTn id="22" dur="2000"/>
                                         <p:tgtEl>
                                           <p:spTgt spid="3">
                                             <p:txEl>
-                                              <p:pRg st="2" end="2"/>
-                                            </p:txEl>
-                                          </p:spTgt>
-                                        </p:tgtEl>
-                                      </p:cBhvr>
-                                    </p:animEffect>
-                                  </p:childTnLst>
-                                </p:cTn>
-                              </p:par>
-                            </p:childTnLst>
-                          </p:cTn>
-                        </p:par>
-                      </p:childTnLst>
-                    </p:cTn>
-                  </p:par>
-                  <p:par>
-                    <p:cTn id="23" fill="hold">
-                      <p:stCondLst>
-                        <p:cond delay="indefinite"/>
-                      </p:stCondLst>
-                      <p:childTnLst>
-                        <p:par>
-                          <p:cTn id="24" fill="hold">
-                            <p:stCondLst>
-                              <p:cond delay="0"/>
-                            </p:stCondLst>
-                            <p:childTnLst>
-                              <p:par>
-                                <p:cTn id="25" presetID="5" presetClass="entr" presetSubtype="10" fill="hold" grpId="0" nodeType="clickEffect" nodePh="1">
-                                  <p:stCondLst>
-                                    <p:cond delay="0"/>
-                                  </p:stCondLst>
-                                  <p:endCondLst>
-                                    <p:cond evt="begin" delay="0">
-                                      <p:tn val="25"/>
-                                    </p:cond>
-                                  </p:endCondLst>
-                                  <p:childTnLst>
-                                    <p:set>
-                                      <p:cBhvr>
-                                        <p:cTn id="26" dur="1" fill="hold">
-                                          <p:stCondLst>
-                                            <p:cond delay="0"/>
-                                          </p:stCondLst>
-                                        </p:cTn>
-                                        <p:tgtEl>
-                                          <p:spTgt spid="3">
-                                            <p:txEl>
-                                              <p:pRg st="2" end="2"/>
-                                            </p:txEl>
-                                          </p:spTgt>
-                                        </p:tgtEl>
-                                        <p:attrNameLst>
-                                          <p:attrName>style.visibility</p:attrName>
-                                        </p:attrNameLst>
-                                      </p:cBhvr>
-                                      <p:to>
-                                        <p:strVal val="visible"/>
-                                      </p:to>
-                                    </p:set>
-                                    <p:animEffect transition="in" filter="checkerboard(across)">
-                                      <p:cBhvr>
-                                        <p:cTn id="27" dur="500"/>
-                                        <p:tgtEl>
-                                          <p:spTgt spid="3">
-                                            <p:txEl>
-                                              <p:pRg st="2" end="2"/>
+                                              <p:pRg st="3" end="3"/>
                                             </p:txEl>
                                           </p:spTgt>
                                         </p:tgtEl>
@@ -7292,8 +7415,7 @@
       </p:par>
     </p:tnLst>
     <p:bldLst>
-      <p:bldP spid="3" grpId="0" uiExpand="1" build="p"/>
-      <p:bldP spid="2" grpId="0"/>
+      <p:bldP spid="3" grpId="0" build="p"/>
     </p:bldLst>
   </p:timing>
 </p:sld>
@@ -7500,11 +7622,18 @@
               </a:rPr>
               <a:t>默默的工作着</a:t>
             </a:r>
-            <a:br>
+            <a:endParaRPr lang="zh-CN" altLang="en-US">
+              <a:sym typeface="+mn-ea"/>
+            </a:endParaRPr>
+          </a:p>
+          <a:p>
+            <a:pPr algn="l"/>
+            <a:r>
               <a:rPr lang="zh-CN" altLang="en-US">
                 <a:sym typeface="+mn-ea"/>
               </a:rPr>
-            </a:br>
+              <a:t>更专注业务需求</a:t>
+            </a:r>
             <a:br>
               <a:rPr lang="zh-CN" altLang="en-US">
                 <a:sym typeface="+mn-ea"/>

--- a/angularjs/ng.pptx
+++ b/angularjs/ng.pptx
@@ -11,16 +11,17 @@
     <p:sldId id="256" r:id="rId3"/>
     <p:sldId id="266" r:id="rId4"/>
     <p:sldId id="280" r:id="rId6"/>
-    <p:sldId id="290" r:id="rId7"/>
-    <p:sldId id="279" r:id="rId8"/>
-    <p:sldId id="261" r:id="rId9"/>
-    <p:sldId id="259" r:id="rId10"/>
-    <p:sldId id="278" r:id="rId11"/>
-    <p:sldId id="275" r:id="rId12"/>
-    <p:sldId id="276" r:id="rId13"/>
-    <p:sldId id="277" r:id="rId14"/>
-    <p:sldId id="265" r:id="rId15"/>
-    <p:sldId id="289" r:id="rId16"/>
+    <p:sldId id="300" r:id="rId7"/>
+    <p:sldId id="290" r:id="rId8"/>
+    <p:sldId id="279" r:id="rId9"/>
+    <p:sldId id="261" r:id="rId10"/>
+    <p:sldId id="259" r:id="rId11"/>
+    <p:sldId id="278" r:id="rId12"/>
+    <p:sldId id="275" r:id="rId13"/>
+    <p:sldId id="276" r:id="rId14"/>
+    <p:sldId id="277" r:id="rId15"/>
+    <p:sldId id="265" r:id="rId16"/>
+    <p:sldId id="289" r:id="rId17"/>
   </p:sldIdLst>
   <p:sldSz cx="12192000" cy="6858000"/>
   <p:notesSz cx="6858000" cy="9144000"/>
@@ -3174,7 +3175,7 @@
           <a:p>
             <a:r>
               <a:rPr lang="zh-CN" altLang="en-US"/>
-              <a:t>优劣</a:t>
+              <a:t>演示</a:t>
             </a:r>
             <a:endParaRPr lang="zh-CN" altLang="en-US"/>
           </a:p>
@@ -3196,91 +3197,222 @@
           <a:p>
             <a:pPr algn="l"/>
             <a:r>
-              <a:rPr lang="zh-CN" altLang="en-US"/>
-              <a:t>正常情况下优势是明确的</a:t>
-            </a:r>
-            <a:br>
-              <a:rPr lang="zh-CN" altLang="en-US"/>
-            </a:br>
-            <a:r>
-              <a:rPr lang="zh-CN" altLang="en-US"/>
-              <a:t>减少编码量，更专注数据处理，无需繁杂的</a:t>
-            </a:r>
-            <a:r>
               <a:rPr lang="en-US" altLang="zh-CN"/>
-              <a:t>dom</a:t>
-            </a:r>
-            <a:r>
-              <a:rPr lang="zh-CN" altLang="en-US"/>
-              <a:t>操作，模块化，一定程度的统一编码风格</a:t>
-            </a:r>
-            <a:endParaRPr lang="zh-CN" altLang="en-US"/>
-          </a:p>
-          <a:p>
-            <a:pPr algn="l"/>
-            <a:r>
-              <a:rPr lang="zh-CN" altLang="en-US"/>
-              <a:t>缺点</a:t>
-            </a:r>
-            <a:br>
-              <a:rPr lang="zh-CN" altLang="en-US"/>
-            </a:br>
-            <a:r>
-              <a:rPr lang="zh-CN" altLang="en-US"/>
-              <a:t>然而在</a:t>
-            </a:r>
-            <a:r>
-              <a:rPr lang="en-US" altLang="zh-CN"/>
-              <a:t>view</a:t>
-            </a:r>
-            <a:r>
-              <a:rPr lang="zh-CN" altLang="en-US"/>
-              <a:t>层需要</a:t>
-            </a:r>
-            <a:r>
-              <a:rPr lang="en-US" altLang="zh-CN"/>
-              <a:t>ui</a:t>
-            </a:r>
-            <a:r>
-              <a:rPr lang="zh-CN" altLang="en-US"/>
-              <a:t>组件的支持，否则仍然需要手写指令（Directive）来与</a:t>
-            </a:r>
-            <a:r>
-              <a:rPr lang="en-US" altLang="zh-CN"/>
-              <a:t>ui</a:t>
-            </a:r>
-            <a:r>
-              <a:rPr lang="zh-CN" altLang="en-US"/>
-              <a:t>框架交互，比如</a:t>
-            </a:r>
-            <a:r>
-              <a:rPr lang="en-US" altLang="zh-CN"/>
-              <a:t>semantic-ui</a:t>
-            </a:r>
-            <a:r>
-              <a:rPr lang="zh-CN" altLang="en-US"/>
-              <a:t>、</a:t>
-            </a:r>
-            <a:r>
-              <a:rPr lang="en-US" altLang="zh-CN"/>
-              <a:t>bootstrap……</a:t>
+              <a:t>hello world</a:t>
             </a:r>
             <a:br>
               <a:rPr lang="en-US" altLang="zh-CN"/>
             </a:br>
             <a:r>
-              <a:rPr lang="zh-CN" altLang="en-US">
+              <a:rPr lang="en-US" altLang="zh-CN"/>
+              <a:t>jquery &amp; angular</a:t>
+            </a:r>
+            <a:endParaRPr lang="en-US" altLang="zh-CN"/>
+          </a:p>
+          <a:p>
+            <a:pPr algn="l"/>
+            <a:r>
+              <a:rPr lang="zh-CN" altLang="en-US"/>
+              <a:t>演示双向数据绑定</a:t>
+            </a:r>
+            <a:endParaRPr lang="zh-CN" altLang="en-US"/>
+          </a:p>
+        </p:txBody>
+      </p:sp>
+    </p:spTree>
+  </p:cSld>
+  <p:clrMapOvr>
+    <a:masterClrMapping/>
+  </p:clrMapOvr>
+</p:sld>
+</file>
+
+<file path=ppt/slides/slide11.xml><?xml version="1.0" encoding="utf-8"?>
+<p:sld xmlns:a="http://schemas.openxmlformats.org/drawingml/2006/main" xmlns:r="http://schemas.openxmlformats.org/officeDocument/2006/relationships" xmlns:p="http://schemas.openxmlformats.org/presentationml/2006/main">
+  <p:cSld>
+    <p:spTree>
+      <p:nvGrpSpPr>
+        <p:cNvPr id="1" name=""/>
+        <p:cNvGrpSpPr/>
+        <p:nvPr/>
+      </p:nvGrpSpPr>
+      <p:grpSpPr/>
+      <p:sp>
+        <p:nvSpPr>
+          <p:cNvPr id="2" name="标题 1"/>
+          <p:cNvSpPr>
+            <a:spLocks noGrp="1"/>
+          </p:cNvSpPr>
+          <p:nvPr>
+            <p:ph type="title"/>
+          </p:nvPr>
+        </p:nvSpPr>
+        <p:spPr/>
+        <p:txBody>
+          <a:bodyPr/>
+          <a:p>
+            <a:r>
+              <a:rPr lang="zh-CN" altLang="en-US"/>
+              <a:t>优劣</a:t>
+            </a:r>
+            <a:endParaRPr lang="zh-CN" altLang="en-US"/>
+          </a:p>
+        </p:txBody>
+      </p:sp>
+      <p:sp>
+        <p:nvSpPr>
+          <p:cNvPr id="3" name="内容占位符 2"/>
+          <p:cNvSpPr>
+            <a:spLocks noGrp="1"/>
+          </p:cNvSpPr>
+          <p:nvPr>
+            <p:ph idx="1"/>
+          </p:nvPr>
+        </p:nvSpPr>
+        <p:spPr/>
+        <p:txBody>
+          <a:bodyPr/>
+          <a:p>
+            <a:pPr algn="l"/>
+            <a:r>
+              <a:rPr lang="zh-CN" altLang="en-US" sz="2000"/>
+              <a:t>正常情况下优势是明确的</a:t>
+            </a:r>
+            <a:br>
+              <a:rPr lang="zh-CN" altLang="en-US" sz="2000"/>
+            </a:br>
+            <a:r>
+              <a:rPr lang="zh-CN" altLang="en-US" sz="2000"/>
+              <a:t>减少开发编码量，更专注数据处理、视图设计，无需繁杂的</a:t>
+            </a:r>
+            <a:r>
+              <a:rPr lang="en-US" altLang="zh-CN" sz="2000"/>
+              <a:t>dom</a:t>
+            </a:r>
+            <a:r>
+              <a:rPr lang="zh-CN" altLang="en-US" sz="2000"/>
+              <a:t>操作</a:t>
+            </a:r>
+            <a:br>
+              <a:rPr lang="zh-CN" altLang="en-US" sz="2000"/>
+            </a:br>
+            <a:r>
+              <a:rPr lang="zh-CN" altLang="en-US" sz="2000"/>
+              <a:t>模块化，一定程度的统一编码风格</a:t>
+            </a:r>
+            <a:endParaRPr lang="zh-CN" altLang="en-US" sz="2000"/>
+          </a:p>
+          <a:p>
+            <a:pPr algn="l"/>
+            <a:r>
+              <a:rPr lang="zh-CN" altLang="en-US" sz="2000" b="1"/>
+              <a:t>缺点</a:t>
+            </a:r>
+            <a:br>
+              <a:rPr lang="zh-CN" altLang="en-US" sz="2000"/>
+            </a:br>
+            <a:r>
+              <a:rPr lang="zh-CN" altLang="en-US" sz="2000">
+                <a:sym typeface="+mn-ea"/>
+              </a:rPr>
+              <a:t>优点也是缺点，限制了</a:t>
+            </a:r>
+            <a:r>
+              <a:rPr lang="en-US" altLang="zh-CN" sz="2000">
+                <a:sym typeface="+mn-ea"/>
+              </a:rPr>
+              <a:t>js</a:t>
+            </a:r>
+            <a:r>
+              <a:rPr lang="zh-CN" altLang="en-US" sz="2000">
+                <a:sym typeface="+mn-ea"/>
+              </a:rPr>
+              <a:t>的高度自由性</a:t>
+            </a:r>
+            <a:br>
+              <a:rPr lang="zh-CN" altLang="en-US" sz="2000">
+                <a:sym typeface="+mn-ea"/>
+              </a:rPr>
+            </a:br>
+            <a:r>
+              <a:rPr lang="zh-CN" altLang="en-US" sz="2000"/>
+              <a:t>在</a:t>
+            </a:r>
+            <a:r>
+              <a:rPr lang="en-US" altLang="zh-CN" sz="2000"/>
+              <a:t>view</a:t>
+            </a:r>
+            <a:r>
+              <a:rPr lang="zh-CN" altLang="en-US" sz="2000"/>
+              <a:t>层需要</a:t>
+            </a:r>
+            <a:r>
+              <a:rPr lang="en-US" altLang="zh-CN" sz="2000"/>
+              <a:t>ui</a:t>
+            </a:r>
+            <a:r>
+              <a:rPr lang="zh-CN" altLang="en-US" sz="2000"/>
+              <a:t>组件的支持，否则仍然需要手写指令（Directive）来与</a:t>
+            </a:r>
+            <a:r>
+              <a:rPr lang="en-US" altLang="zh-CN" sz="2000"/>
+              <a:t>ui</a:t>
+            </a:r>
+            <a:r>
+              <a:rPr lang="zh-CN" altLang="en-US" sz="2000"/>
+              <a:t>框架交互，比如</a:t>
+            </a:r>
+            <a:r>
+              <a:rPr lang="en-US" altLang="zh-CN" sz="2000"/>
+              <a:t>semantic-ui</a:t>
+            </a:r>
+            <a:r>
+              <a:rPr lang="zh-CN" altLang="en-US" sz="2000"/>
+              <a:t>、</a:t>
+            </a:r>
+            <a:r>
+              <a:rPr lang="en-US" altLang="zh-CN" sz="2000"/>
+              <a:t>bootstrap……</a:t>
+            </a:r>
+            <a:br>
+              <a:rPr lang="en-US" altLang="zh-CN" sz="2000"/>
+            </a:br>
+            <a:r>
+              <a:rPr lang="zh-CN" altLang="en-US" sz="2000">
                 <a:sym typeface="+mn-ea"/>
               </a:rPr>
               <a:t>入门容易，上手难</a:t>
             </a:r>
             <a:br>
-              <a:rPr lang="zh-CN" altLang="en-US">
+              <a:rPr lang="zh-CN" altLang="en-US" sz="2000">
                 <a:sym typeface="+mn-ea"/>
               </a:rPr>
             </a:br>
             <a:r>
-              <a:rPr lang="zh-CN" altLang="en-US" strike="sngStrike">
+              <a:rPr lang="zh-CN" altLang="en-US" sz="2000">
+                <a:sym typeface="+mn-ea"/>
+              </a:rPr>
+              <a:t>用别人的东西，追着别人跑，只能寄望</a:t>
+            </a:r>
+            <a:r>
+              <a:rPr lang="en-US" altLang="zh-CN" sz="2000">
+                <a:sym typeface="+mn-ea"/>
+              </a:rPr>
+              <a:t>google</a:t>
+            </a:r>
+            <a:r>
+              <a:rPr lang="zh-CN" altLang="en-US" sz="2000">
+                <a:sym typeface="+mn-ea"/>
+              </a:rPr>
+              <a:t>不要犯错</a:t>
+            </a:r>
+            <a:br>
+              <a:rPr lang="zh-CN" altLang="en-US" sz="2000">
+                <a:sym typeface="+mn-ea"/>
+              </a:rPr>
+            </a:br>
+            <a:r>
+              <a:rPr lang="zh-CN" altLang="en-US" sz="2000" strike="sngStrike">
                 <a:solidFill>
                   <a:schemeClr val="accent1"/>
                 </a:solidFill>
@@ -3291,18 +3423,18 @@
               <a:t>兼容性</a:t>
             </a:r>
             <a:r>
-              <a:rPr lang="zh-CN" altLang="en-US">
+              <a:rPr lang="zh-CN" altLang="en-US" sz="2000">
                 <a:sym typeface="+mn-ea"/>
               </a:rPr>
               <a:t>，性能瓶颈</a:t>
             </a:r>
             <a:br>
-              <a:rPr lang="zh-CN" altLang="en-US">
+              <a:rPr lang="zh-CN" altLang="en-US" sz="2000">
                 <a:sym typeface="+mn-ea"/>
               </a:rPr>
             </a:br>
             <a:r>
-              <a:rPr lang="zh-CN" altLang="en-US" strike="sngStrike">
+              <a:rPr lang="zh-CN" altLang="en-US" sz="2000" strike="sngStrike">
                 <a:solidFill>
                   <a:schemeClr val="accent1"/>
                 </a:solidFill>
@@ -3312,7 +3444,34 @@
               </a:rPr>
               <a:t>当前小版本间变化多，坑</a:t>
             </a:r>
-            <a:endParaRPr lang="zh-CN" altLang="en-US" strike="sngStrike">
+            <a:br>
+              <a:rPr lang="zh-CN" altLang="en-US" sz="2000">
+                <a:solidFill>
+                  <a:schemeClr val="accent1"/>
+                </a:solidFill>
+                <a:uFillTx/>
+                <a:latin typeface="+中文标题" charset="0"/>
+                <a:sym typeface="+mn-ea"/>
+              </a:rPr>
+            </a:br>
+            <a:r>
+              <a:rPr lang="zh-CN" altLang="en-US" sz="2000">
+                <a:solidFill>
+                  <a:schemeClr val="accent1"/>
+                </a:solidFill>
+                <a:uFillTx/>
+                <a:latin typeface="+中文标题" charset="0"/>
+                <a:sym typeface="+mn-ea"/>
+              </a:rPr>
+              <a:t>不同框架间的</a:t>
+            </a:r>
+            <a:r>
+              <a:rPr lang="zh-CN" altLang="en-US" sz="2000">
+                <a:sym typeface="+mn-ea"/>
+              </a:rPr>
+              <a:t>移植困难</a:t>
+            </a:r>
+            <a:endParaRPr lang="en-US" altLang="zh-CN" sz="2000" u="sng" strike="sngStrike">
               <a:solidFill>
                 <a:schemeClr val="accent1"/>
               </a:solidFill>
@@ -3324,34 +3483,34 @@
           <a:p>
             <a:pPr algn="l"/>
             <a:r>
-              <a:rPr lang="zh-CN" altLang="en-US"/>
+              <a:rPr lang="zh-CN" altLang="en-US" sz="2000"/>
               <a:t>幸好，</a:t>
             </a:r>
             <a:r>
-              <a:rPr lang="en-US" altLang="zh-CN"/>
+              <a:rPr lang="en-US" altLang="zh-CN" sz="2000"/>
               <a:t>sui</a:t>
             </a:r>
             <a:r>
-              <a:rPr lang="zh-CN" altLang="en-US"/>
+              <a:rPr lang="zh-CN" altLang="en-US" sz="2000"/>
               <a:t>、</a:t>
             </a:r>
             <a:r>
-              <a:rPr lang="en-US" altLang="zh-CN"/>
+              <a:rPr lang="en-US" altLang="zh-CN" sz="2000"/>
               <a:t>bstp</a:t>
             </a:r>
             <a:r>
-              <a:rPr lang="zh-CN" altLang="en-US"/>
+              <a:rPr lang="zh-CN" altLang="en-US" sz="2000"/>
               <a:t>都有针对</a:t>
             </a:r>
             <a:r>
-              <a:rPr lang="en-US" altLang="zh-CN"/>
+              <a:rPr lang="en-US" altLang="zh-CN" sz="2000"/>
               <a:t>ng</a:t>
             </a:r>
             <a:r>
-              <a:rPr lang="zh-CN" altLang="en-US"/>
+              <a:rPr lang="zh-CN" altLang="en-US" sz="2000"/>
               <a:t>的插件（指令集）</a:t>
             </a:r>
-            <a:endParaRPr lang="zh-CN" altLang="en-US"/>
+            <a:endParaRPr lang="zh-CN" altLang="en-US" sz="2000"/>
           </a:p>
           <a:p>
             <a:pPr algn="l"/>
@@ -3583,7 +3742,7 @@
 </p:sld>
 </file>
 
-<file path=ppt/slides/slide11.xml><?xml version="1.0" encoding="utf-8"?>
+<file path=ppt/slides/slide12.xml><?xml version="1.0" encoding="utf-8"?>
 <p:sld xmlns:a="http://schemas.openxmlformats.org/drawingml/2006/main" xmlns:r="http://schemas.openxmlformats.org/officeDocument/2006/relationships" xmlns:p="http://schemas.openxmlformats.org/presentationml/2006/main">
   <p:cSld>
     <p:spTree>
@@ -3667,6 +3826,18 @@
           <a:p>
             <a:pPr algn="l"/>
             <a:r>
+              <a:rPr lang="en-US" altLang="zh-CN">
+                <a:sym typeface="+mn-ea"/>
+              </a:rPr>
+              <a:t>backbone</a:t>
+            </a:r>
+            <a:endParaRPr lang="en-US" altLang="zh-CN">
+              <a:sym typeface="+mn-ea"/>
+            </a:endParaRPr>
+          </a:p>
+          <a:p>
+            <a:pPr algn="l"/>
+            <a:r>
               <a:rPr lang="en-US" altLang="zh-CN"/>
               <a:t>react--facebook</a:t>
             </a:r>
@@ -3765,6 +3936,14 @@
             <a:r>
               <a:rPr lang="en-US" altLang="zh-CN"/>
               <a:t>ie6+</a:t>
+            </a:r>
+            <a:endParaRPr lang="en-US" altLang="zh-CN"/>
+          </a:p>
+          <a:p>
+            <a:pPr algn="l"/>
+            <a:r>
+              <a:rPr lang="en-US" altLang="zh-CN"/>
+              <a:t>……</a:t>
             </a:r>
             <a:endParaRPr lang="en-US" altLang="zh-CN"/>
           </a:p>
@@ -4214,6 +4393,128 @@
                       </p:childTnLst>
                     </p:cTn>
                   </p:par>
+                  <p:par>
+                    <p:cTn id="38" fill="hold">
+                      <p:stCondLst>
+                        <p:cond delay="indefinite"/>
+                      </p:stCondLst>
+                      <p:childTnLst>
+                        <p:par>
+                          <p:cTn id="39" fill="hold">
+                            <p:stCondLst>
+                              <p:cond delay="0"/>
+                            </p:stCondLst>
+                            <p:childTnLst>
+                              <p:par>
+                                <p:cTn id="40" presetID="3" presetClass="entr" presetSubtype="10" fill="hold" grpId="0" nodeType="clickEffect">
+                                  <p:stCondLst>
+                                    <p:cond delay="0"/>
+                                  </p:stCondLst>
+                                  <p:childTnLst>
+                                    <p:set>
+                                      <p:cBhvr>
+                                        <p:cTn id="41" dur="1" fill="hold">
+                                          <p:stCondLst>
+                                            <p:cond delay="0"/>
+                                          </p:stCondLst>
+                                        </p:cTn>
+                                        <p:tgtEl>
+                                          <p:spTgt spid="3">
+                                            <p:txEl>
+                                              <p:pRg st="7" end="7"/>
+                                            </p:txEl>
+                                          </p:spTgt>
+                                        </p:tgtEl>
+                                        <p:attrNameLst>
+                                          <p:attrName>style.visibility</p:attrName>
+                                        </p:attrNameLst>
+                                      </p:cBhvr>
+                                      <p:to>
+                                        <p:strVal val="visible"/>
+                                      </p:to>
+                                    </p:set>
+                                    <p:animEffect transition="in" filter="blinds(horizontal)">
+                                      <p:cBhvr>
+                                        <p:cTn id="42" dur="500"/>
+                                        <p:tgtEl>
+                                          <p:spTgt spid="3">
+                                            <p:txEl>
+                                              <p:pRg st="7" end="7"/>
+                                            </p:txEl>
+                                          </p:spTgt>
+                                        </p:tgtEl>
+                                      </p:cBhvr>
+                                    </p:animEffect>
+                                  </p:childTnLst>
+                                </p:cTn>
+                              </p:par>
+                            </p:childTnLst>
+                          </p:cTn>
+                        </p:par>
+                      </p:childTnLst>
+                    </p:cTn>
+                  </p:par>
+                  <p:par>
+                    <p:cTn id="43" fill="hold">
+                      <p:stCondLst>
+                        <p:cond delay="indefinite"/>
+                      </p:stCondLst>
+                      <p:childTnLst>
+                        <p:par>
+                          <p:cTn id="44" fill="hold">
+                            <p:stCondLst>
+                              <p:cond delay="0"/>
+                            </p:stCondLst>
+                            <p:childTnLst>
+                              <p:par>
+                                <p:cTn id="45" presetID="3" presetClass="entr" presetSubtype="10" fill="hold" grpId="0" nodeType="clickEffect">
+                                  <p:stCondLst>
+                                    <p:cond delay="0"/>
+                                  </p:stCondLst>
+                                  <p:childTnLst>
+                                    <p:set>
+                                      <p:cBhvr>
+                                        <p:cTn id="46" dur="1" fill="hold">
+                                          <p:stCondLst>
+                                            <p:cond delay="0"/>
+                                          </p:stCondLst>
+                                        </p:cTn>
+                                        <p:tgtEl>
+                                          <p:spTgt spid="3">
+                                            <p:txEl>
+                                              <p:pRg st="8" end="8"/>
+                                            </p:txEl>
+                                          </p:spTgt>
+                                        </p:tgtEl>
+                                        <p:attrNameLst>
+                                          <p:attrName>style.visibility</p:attrName>
+                                        </p:attrNameLst>
+                                      </p:cBhvr>
+                                      <p:to>
+                                        <p:strVal val="visible"/>
+                                      </p:to>
+                                    </p:set>
+                                    <p:animEffect transition="in" filter="blinds(horizontal)">
+                                      <p:cBhvr>
+                                        <p:cTn id="47" dur="500"/>
+                                        <p:tgtEl>
+                                          <p:spTgt spid="3">
+                                            <p:txEl>
+                                              <p:pRg st="8" end="8"/>
+                                            </p:txEl>
+                                          </p:spTgt>
+                                        </p:tgtEl>
+                                      </p:cBhvr>
+                                    </p:animEffect>
+                                  </p:childTnLst>
+                                </p:cTn>
+                              </p:par>
+                            </p:childTnLst>
+                          </p:cTn>
+                        </p:par>
+                      </p:childTnLst>
+                    </p:cTn>
+                  </p:par>
                 </p:childTnLst>
               </p:cTn>
               <p:prevCondLst>
@@ -4242,7 +4543,7 @@
 </p:sld>
 </file>
 
-<file path=ppt/slides/slide12.xml><?xml version="1.0" encoding="utf-8"?>
+<file path=ppt/slides/slide13.xml><?xml version="1.0" encoding="utf-8"?>
 <p:sld xmlns:a="http://schemas.openxmlformats.org/drawingml/2006/main" xmlns:r="http://schemas.openxmlformats.org/officeDocument/2006/relationships" xmlns:p="http://schemas.openxmlformats.org/presentationml/2006/main">
   <p:cSld>
     <p:spTree>
@@ -4489,7 +4790,7 @@
 </p:sld>
 </file>
 
-<file path=ppt/slides/slide13.xml><?xml version="1.0" encoding="utf-8"?>
+<file path=ppt/slides/slide14.xml><?xml version="1.0" encoding="utf-8"?>
 <p:sld xmlns:a="http://schemas.openxmlformats.org/drawingml/2006/main" xmlns:r="http://schemas.openxmlformats.org/officeDocument/2006/relationships" xmlns:p="http://schemas.openxmlformats.org/presentationml/2006/main">
   <p:cSld>
     <p:spTree>
@@ -5577,28 +5878,93 @@
               <a:buNone/>
             </a:pPr>
             <a:r>
+              <a:rPr lang="zh-CN" altLang="en-US" sz="2000">
+                <a:sym typeface="+mn-ea"/>
+              </a:rPr>
+              <a:t>关注点分离，业务层与表现层解耦</a:t>
+            </a:r>
+            <a:endParaRPr lang="zh-CN" altLang="en-US" sz="2000">
+              <a:sym typeface="+mn-ea"/>
+            </a:endParaRPr>
+          </a:p>
+          <a:p>
+            <a:pPr algn="l"/>
+            <a:r>
+              <a:rPr lang="zh-CN" altLang="en-US">
+                <a:sym typeface="+mn-ea"/>
+              </a:rPr>
+              <a:t>传统</a:t>
+            </a:r>
+            <a:r>
               <a:rPr lang="en-US" altLang="zh-CN">
                 <a:sym typeface="+mn-ea"/>
               </a:rPr>
-              <a:t>so</a:t>
+              <a:t>MVC</a:t>
+            </a:r>
+            <a:br>
+              <a:rPr lang="en-US" altLang="zh-CN">
+                <a:sym typeface="+mn-ea"/>
+              </a:rPr>
+            </a:br>
+            <a:r>
+              <a:rPr lang="en-US" altLang="zh-CN">
+                <a:sym typeface="+mn-ea"/>
+              </a:rPr>
+              <a:t>C</a:t>
             </a:r>
             <a:r>
               <a:rPr lang="zh-CN" altLang="en-US">
                 <a:sym typeface="+mn-ea"/>
               </a:rPr>
+              <a:t>实例化</a:t>
+            </a:r>
+            <a:r>
+              <a:rPr lang="en-US" altLang="zh-CN">
+                <a:sym typeface="+mn-ea"/>
+              </a:rPr>
+              <a:t>M</a:t>
+            </a:r>
+            <a:r>
+              <a:rPr lang="zh-CN" altLang="en-US">
+                <a:sym typeface="+mn-ea"/>
+              </a:rPr>
+              <a:t>、</a:t>
+            </a:r>
+            <a:r>
+              <a:rPr lang="en-US" altLang="zh-CN">
+                <a:sym typeface="+mn-ea"/>
+              </a:rPr>
+              <a:t>V</a:t>
+            </a:r>
+            <a:r>
+              <a:rPr lang="zh-CN" altLang="en-US">
+                <a:sym typeface="+mn-ea"/>
+              </a:rPr>
               <a:t>，</a:t>
             </a:r>
             <a:r>
               <a:rPr lang="en-US" altLang="zh-CN">
                 <a:sym typeface="+mn-ea"/>
               </a:rPr>
-              <a:t>what</a:t>
+              <a:t>C</a:t>
             </a:r>
             <a:r>
               <a:rPr lang="zh-CN" altLang="en-US">
                 <a:sym typeface="+mn-ea"/>
               </a:rPr>
-              <a:t>？</a:t>
+              <a:t>负责</a:t>
+            </a:r>
+            <a:r>
+              <a:rPr lang="en-US" altLang="zh-CN">
+                <a:sym typeface="+mn-ea"/>
+              </a:rPr>
+              <a:t>M&amp;C</a:t>
+            </a:r>
+            <a:r>
+              <a:rPr lang="zh-CN" altLang="en-US">
+                <a:sym typeface="+mn-ea"/>
+              </a:rPr>
+              <a:t>之间的通讯</a:t>
             </a:r>
             <a:endParaRPr lang="zh-CN" altLang="en-US">
               <a:sym typeface="+mn-ea"/>
@@ -5607,261 +5973,166 @@
           <a:p>
             <a:pPr algn="l"/>
             <a:r>
-              <a:rPr lang="en-US" altLang="zh-CN" sz="2200" b="1" u="sng"/>
-              <a:t>Model</a:t>
-            </a:r>
-            <a:r>
-              <a:rPr lang="zh-CN" altLang="en-US" sz="2200"/>
-              <a:t>：</a:t>
-            </a:r>
-            <a:r>
-              <a:rPr lang="zh-CN" altLang="en-US" sz="2200">
-                <a:sym typeface="+mn-ea"/>
-              </a:rPr>
-              <a:t>作用域</a:t>
-            </a:r>
-            <a:r>
-              <a:rPr lang="zh-CN" altLang="en-US" sz="2200"/>
-              <a:t>对象中任何一个可取的属性（</a:t>
-            </a:r>
-            <a:r>
-              <a:rPr lang="en-US" altLang="zh-CN" sz="2200" u="sng"/>
-              <a:t>$scope</a:t>
-            </a:r>
-            <a:r>
-              <a:rPr lang="en-US" altLang="zh-CN" sz="2200"/>
-              <a:t>.somthing</a:t>
-            </a:r>
-            <a:r>
-              <a:rPr lang="zh-CN" altLang="en-US" sz="2200"/>
-              <a:t>）。值可以是任意的Javascript对象（字符串、数组、数字</a:t>
-            </a:r>
-            <a:r>
-              <a:rPr lang="en-US" altLang="zh-CN" sz="2200"/>
-              <a:t>...</a:t>
-            </a:r>
-            <a:r>
-              <a:rPr lang="zh-CN" altLang="en-US" sz="2200"/>
-              <a:t>）。</a:t>
-            </a:r>
-            <a:r>
-              <a:rPr lang="zh-CN" altLang="en-US" sz="2200" u="sng"/>
-              <a:t>数据载体</a:t>
-            </a:r>
-            <a:endParaRPr lang="zh-CN" altLang="en-US" sz="2200" u="sng"/>
-          </a:p>
-          <a:p>
-            <a:pPr algn="l"/>
-            <a:r>
-              <a:rPr lang="en-US" altLang="zh-CN" sz="2200" b="1" u="sng"/>
-              <a:t>View</a:t>
-            </a:r>
-            <a:r>
-              <a:rPr lang="zh-CN" altLang="en-US" sz="2200"/>
-              <a:t>：声明式的</a:t>
-            </a:r>
-            <a:r>
-              <a:rPr lang="zh-CN" altLang="en-US" sz="2200" u="sng"/>
-              <a:t>视图模板</a:t>
-            </a:r>
-            <a:r>
-              <a:rPr lang="zh-CN" altLang="en-US" sz="2200"/>
-              <a:t>，浏览器将</a:t>
-            </a:r>
-            <a:r>
-              <a:rPr lang="en-US" altLang="zh-CN" sz="2200"/>
-              <a:t>model</a:t>
-            </a:r>
-            <a:r>
-              <a:rPr lang="zh-CN" altLang="en-US" sz="2200"/>
-              <a:t>渲染为</a:t>
-            </a:r>
-            <a:r>
-              <a:rPr lang="en-US" altLang="zh-CN" sz="2200"/>
-              <a:t>DOM</a:t>
-            </a:r>
-            <a:r>
-              <a:rPr lang="zh-CN" altLang="en-US" sz="2200"/>
-              <a:t>，</a:t>
-            </a:r>
-            <a:r>
-              <a:rPr lang="zh-CN" altLang="en-US" sz="2200">
-                <a:sym typeface="+mn-ea"/>
-              </a:rPr>
-              <a:t>视图呈现</a:t>
-            </a:r>
-            <a:r>
-              <a:rPr lang="zh-CN" altLang="en-US" sz="2200"/>
-              <a:t>。</a:t>
-            </a:r>
-            <a:endParaRPr lang="zh-CN" altLang="en-US" sz="2200"/>
-          </a:p>
-          <a:p>
-            <a:pPr algn="l"/>
-            <a:r>
-              <a:rPr lang="en-US" altLang="zh-CN" sz="2200" b="1" u="sng"/>
-              <a:t>ViewModel</a:t>
-            </a:r>
-            <a:r>
-              <a:rPr lang="zh-CN" altLang="en-US" sz="2200"/>
-              <a:t>：通过 </a:t>
-            </a:r>
-            <a:r>
-              <a:rPr lang="en-US" altLang="zh-CN" sz="2200">
-                <a:sym typeface="+mn-ea"/>
-              </a:rPr>
-              <a:t>$scope </a:t>
-            </a:r>
-            <a:r>
-              <a:rPr lang="zh-CN" altLang="en-US" sz="2200">
-                <a:sym typeface="+mn-ea"/>
-              </a:rPr>
-              <a:t>串联起 </a:t>
-            </a:r>
-            <a:r>
-              <a:rPr lang="en-US" altLang="zh-CN" sz="2200">
-                <a:sym typeface="+mn-ea"/>
-              </a:rPr>
-              <a:t>model </a:t>
-            </a:r>
-            <a:r>
-              <a:rPr lang="zh-CN" altLang="en-US" sz="2200">
-                <a:sym typeface="+mn-ea"/>
-              </a:rPr>
-              <a:t>与 </a:t>
-            </a:r>
-            <a:r>
-              <a:rPr lang="en-US" altLang="zh-CN" sz="2200">
-                <a:sym typeface="+mn-ea"/>
-              </a:rPr>
-              <a:t>view</a:t>
-            </a:r>
-            <a:r>
-              <a:rPr lang="zh-CN" altLang="en-US" sz="2200">
-                <a:sym typeface="+mn-ea"/>
-              </a:rPr>
-              <a:t>，形成</a:t>
-            </a:r>
-            <a:r>
-              <a:rPr lang="zh-CN" altLang="en-US" sz="2200" u="sng">
-                <a:sym typeface="+mn-ea"/>
-              </a:rPr>
-              <a:t>双向数据绑定</a:t>
-            </a:r>
-            <a:r>
-              <a:rPr lang="zh-CN" altLang="en-US" sz="2200">
-                <a:sym typeface="+mn-ea"/>
-              </a:rPr>
-              <a:t>，是</a:t>
-            </a:r>
-            <a:r>
-              <a:rPr lang="en-US" altLang="zh-CN" sz="2200">
-                <a:sym typeface="+mn-ea"/>
-              </a:rPr>
-              <a:t>mode &amp; view </a:t>
-            </a:r>
-            <a:r>
-              <a:rPr lang="zh-CN" altLang="en-US" sz="2200">
-                <a:sym typeface="+mn-ea"/>
-              </a:rPr>
-              <a:t>的粘合剂（过滤器、模板、表达式、指令</a:t>
-            </a:r>
-            <a:r>
-              <a:rPr lang="en-US" altLang="zh-CN" sz="2200">
-                <a:sym typeface="+mn-ea"/>
-              </a:rPr>
-              <a:t>...</a:t>
-            </a:r>
-            <a:r>
-              <a:rPr lang="zh-CN" altLang="en-US" sz="2200">
-                <a:sym typeface="+mn-ea"/>
-              </a:rPr>
-              <a:t>）</a:t>
-            </a:r>
-            <a:endParaRPr lang="zh-CN" altLang="en-US" sz="2200">
+              <a:rPr lang="en-US" altLang="zh-CN">
+                <a:sym typeface="+mn-ea"/>
+              </a:rPr>
+              <a:t>ng</a:t>
+            </a:r>
+            <a:r>
+              <a:rPr lang="zh-CN" altLang="en-US">
+                <a:sym typeface="+mn-ea"/>
+              </a:rPr>
+              <a:t>中对</a:t>
+            </a:r>
+            <a:r>
+              <a:rPr lang="en-US" altLang="zh-CN">
+                <a:sym typeface="+mn-ea"/>
+              </a:rPr>
+              <a:t>M</a:t>
+            </a:r>
+            <a:r>
+              <a:rPr lang="zh-CN" altLang="en-US">
+                <a:sym typeface="+mn-ea"/>
+              </a:rPr>
+              <a:t>、</a:t>
+            </a:r>
+            <a:r>
+              <a:rPr lang="en-US" altLang="zh-CN">
+                <a:sym typeface="+mn-ea"/>
+              </a:rPr>
+              <a:t>V</a:t>
+            </a:r>
+            <a:r>
+              <a:rPr lang="zh-CN" altLang="en-US">
+                <a:sym typeface="+mn-ea"/>
+              </a:rPr>
+              <a:t>做了扩展</a:t>
+            </a:r>
+            <a:br>
+              <a:rPr lang="zh-CN" altLang="en-US">
+                <a:sym typeface="+mn-ea"/>
+              </a:rPr>
+            </a:br>
+            <a:r>
+              <a:rPr lang="zh-CN" altLang="en-US">
+                <a:sym typeface="+mn-ea"/>
+              </a:rPr>
+              <a:t>界面交互被扩展到</a:t>
+            </a:r>
+            <a:r>
+              <a:rPr lang="en-US" altLang="zh-CN">
+                <a:sym typeface="+mn-ea"/>
+              </a:rPr>
+              <a:t>V</a:t>
+            </a:r>
+            <a:r>
+              <a:rPr lang="zh-CN" altLang="en-US">
+                <a:sym typeface="+mn-ea"/>
+              </a:rPr>
+              <a:t>层，</a:t>
+            </a:r>
+            <a:r>
+              <a:rPr lang="en-US" altLang="zh-CN">
+                <a:sym typeface="+mn-ea"/>
+              </a:rPr>
+              <a:t>M</a:t>
+            </a:r>
+            <a:r>
+              <a:rPr lang="zh-CN" altLang="en-US">
+                <a:sym typeface="+mn-ea"/>
+              </a:rPr>
+              <a:t>与</a:t>
+            </a:r>
+            <a:r>
+              <a:rPr lang="en-US" altLang="zh-CN">
+                <a:sym typeface="+mn-ea"/>
+              </a:rPr>
+              <a:t>V</a:t>
+            </a:r>
+            <a:r>
+              <a:rPr lang="zh-CN" altLang="en-US">
+                <a:sym typeface="+mn-ea"/>
+              </a:rPr>
+              <a:t>实现数据的双向绑定，</a:t>
+            </a:r>
+            <a:r>
+              <a:rPr lang="en-US" altLang="zh-CN">
+                <a:sym typeface="+mn-ea"/>
+              </a:rPr>
+              <a:t>C</a:t>
+            </a:r>
+            <a:r>
+              <a:rPr lang="zh-CN" altLang="en-US">
+                <a:sym typeface="+mn-ea"/>
+              </a:rPr>
+              <a:t>控制</a:t>
+            </a:r>
+            <a:r>
+              <a:rPr lang="en-US" altLang="zh-CN">
+                <a:sym typeface="+mn-ea"/>
+              </a:rPr>
+              <a:t>M</a:t>
+            </a:r>
+            <a:endParaRPr lang="en-US" altLang="zh-CN">
               <a:sym typeface="+mn-ea"/>
             </a:endParaRPr>
           </a:p>
           <a:p>
             <a:pPr algn="l"/>
             <a:r>
-              <a:rPr lang="en-US" sz="2200" b="1"/>
-              <a:t>controller</a:t>
-            </a:r>
-            <a:r>
-              <a:rPr lang="en-US" altLang="zh-CN" sz="2200"/>
-              <a:t> </a:t>
-            </a:r>
-            <a:r>
-              <a:rPr lang="zh-CN" altLang="en-US" sz="2200">
-                <a:sym typeface="+mn-ea"/>
-              </a:rPr>
-              <a:t>控制器，</a:t>
-            </a:r>
-            <a:r>
-              <a:rPr lang="en-US" altLang="zh-CN" sz="2200">
-                <a:sym typeface="+mn-ea"/>
-              </a:rPr>
-              <a:t>VM</a:t>
-            </a:r>
-            <a:r>
-              <a:rPr lang="zh-CN" altLang="en-US" sz="2200">
-                <a:sym typeface="+mn-ea"/>
-              </a:rPr>
-              <a:t>的一部分，</a:t>
-            </a:r>
-            <a:r>
-              <a:rPr lang="zh-CN" altLang="en-US" sz="2200"/>
-              <a:t>加载、加工</a:t>
-            </a:r>
-            <a:r>
-              <a:rPr lang="zh-CN" altLang="en-US" sz="2200">
-                <a:sym typeface="+mn-ea"/>
-              </a:rPr>
-              <a:t>、操作</a:t>
-            </a:r>
-            <a:r>
-              <a:rPr lang="zh-CN" altLang="en-US" sz="2200"/>
-              <a:t>作用域</a:t>
-            </a:r>
-            <a:r>
-              <a:rPr lang="en-US" altLang="zh-CN" sz="2200"/>
-              <a:t>model</a:t>
-            </a:r>
-            <a:r>
-              <a:rPr lang="zh-CN" altLang="en-US" sz="2200"/>
-              <a:t>的函数，负责</a:t>
-            </a:r>
-            <a:r>
-              <a:rPr lang="zh-CN" altLang="en-US" sz="2200" u="sng"/>
-              <a:t>ViewModel的初始化</a:t>
-            </a:r>
-            <a:r>
-              <a:rPr lang="zh-CN" altLang="en-US" sz="2200"/>
-              <a:t>，大量的业务编程发生在这里</a:t>
-            </a:r>
-            <a:endParaRPr lang="zh-CN" altLang="en-US" sz="2200"/>
+              <a:rPr lang="en-US" altLang="zh-CN">
+                <a:sym typeface="+mn-ea"/>
+              </a:rPr>
+              <a:t>“</a:t>
+            </a:r>
+            <a:r>
+              <a:rPr lang="zh-CN" altLang="en-US">
+                <a:sym typeface="+mn-ea"/>
+              </a:rPr>
+              <a:t>胖模型、轻控制</a:t>
+            </a:r>
+            <a:r>
+              <a:rPr lang="en-US" altLang="zh-CN">
+                <a:sym typeface="+mn-ea"/>
+              </a:rPr>
+              <a:t>”</a:t>
+            </a:r>
+            <a:endParaRPr lang="zh-CN" altLang="en-US">
+              <a:sym typeface="+mn-ea"/>
+            </a:endParaRPr>
+          </a:p>
+          <a:p>
+            <a:pPr marL="0" indent="0" algn="l">
+              <a:buNone/>
+            </a:pPr>
+            <a:endParaRPr lang="en-US" altLang="zh-CN">
+              <a:sym typeface="+mn-ea"/>
+            </a:endParaRPr>
+          </a:p>
+          <a:p>
+            <a:pPr marL="0" indent="0" algn="l">
+              <a:buNone/>
+            </a:pPr>
+            <a:r>
+              <a:rPr lang="en-US" altLang="zh-CN">
+                <a:sym typeface="+mn-ea"/>
+              </a:rPr>
+              <a:t>so, what?</a:t>
+            </a:r>
+            <a:endParaRPr lang="en-US" altLang="zh-CN">
+              <a:sym typeface="+mn-ea"/>
+            </a:endParaRPr>
+          </a:p>
+          <a:p>
+            <a:pPr marL="0" indent="0" algn="l">
+              <a:buNone/>
+            </a:pPr>
+            <a:endParaRPr lang="zh-CN" altLang="en-US">
+              <a:sym typeface="+mn-ea"/>
+            </a:endParaRPr>
           </a:p>
           <a:p>
             <a:pPr algn="l"/>
-            <a:r>
-              <a:rPr lang="en-US" altLang="zh-CN" sz="2200">
-                <a:sym typeface="+mn-ea"/>
-              </a:rPr>
-              <a:t>VM, controller etc... So, </a:t>
-            </a:r>
-            <a:r>
-              <a:rPr lang="en-US" altLang="zh-CN" sz="2200" b="1">
-                <a:sym typeface="+mn-ea"/>
-              </a:rPr>
-              <a:t>whatever</a:t>
-            </a:r>
-            <a:r>
-              <a:rPr lang="en-US" altLang="zh-CN" sz="2200">
-                <a:sym typeface="+mn-ea"/>
-              </a:rPr>
-              <a:t>!</a:t>
-            </a:r>
             <a:endParaRPr lang="en-US" altLang="zh-CN" sz="2200">
               <a:sym typeface="+mn-ea"/>
             </a:endParaRPr>
@@ -6432,7 +6703,7 @@
                                         <p:tgtEl>
                                           <p:spTgt spid="3">
                                             <p:txEl>
-                                              <p:pRg st="5" end="5"/>
+                                              <p:pRg st="6" end="6"/>
                                             </p:txEl>
                                           </p:spTgt>
                                         </p:tgtEl>
@@ -6447,109 +6718,6 @@
                                     <p:anim calcmode="lin" valueType="num">
                                       <p:cBhvr additive="base">
                                         <p:cTn id="37" dur="500" fill="hold"/>
-                                        <p:tgtEl>
-                                          <p:spTgt spid="3">
-                                            <p:txEl>
-                                              <p:pRg st="5" end="5"/>
-                                            </p:txEl>
-                                          </p:spTgt>
-                                        </p:tgtEl>
-                                        <p:attrNameLst>
-                                          <p:attrName>ppt_x</p:attrName>
-                                        </p:attrNameLst>
-                                      </p:cBhvr>
-                                      <p:tavLst>
-                                        <p:tav tm="0">
-                                          <p:val>
-                                            <p:strVal val="#ppt_x"/>
-                                          </p:val>
-                                        </p:tav>
-                                        <p:tav tm="100000">
-                                          <p:val>
-                                            <p:strVal val="#ppt_x"/>
-                                          </p:val>
-                                        </p:tav>
-                                      </p:tavLst>
-                                    </p:anim>
-                                    <p:anim calcmode="lin" valueType="num">
-                                      <p:cBhvr additive="base">
-                                        <p:cTn id="38" dur="500" fill="hold"/>
-                                        <p:tgtEl>
-                                          <p:spTgt spid="3">
-                                            <p:txEl>
-                                              <p:pRg st="5" end="5"/>
-                                            </p:txEl>
-                                          </p:spTgt>
-                                        </p:tgtEl>
-                                        <p:attrNameLst>
-                                          <p:attrName>ppt_y</p:attrName>
-                                        </p:attrNameLst>
-                                      </p:cBhvr>
-                                      <p:tavLst>
-                                        <p:tav tm="0">
-                                          <p:val>
-                                            <p:strVal val="1+#ppt_h/2"/>
-                                          </p:val>
-                                        </p:tav>
-                                        <p:tav tm="100000">
-                                          <p:val>
-                                            <p:strVal val="#ppt_y"/>
-                                          </p:val>
-                                        </p:tav>
-                                      </p:tavLst>
-                                    </p:anim>
-                                  </p:childTnLst>
-                                </p:cTn>
-                              </p:par>
-                            </p:childTnLst>
-                          </p:cTn>
-                        </p:par>
-                      </p:childTnLst>
-                    </p:cTn>
-                  </p:par>
-                  <p:par>
-                    <p:cTn id="39" fill="hold">
-                      <p:stCondLst>
-                        <p:cond delay="indefinite"/>
-                      </p:stCondLst>
-                      <p:childTnLst>
-                        <p:par>
-                          <p:cTn id="40" fill="hold">
-                            <p:stCondLst>
-                              <p:cond delay="0"/>
-                            </p:stCondLst>
-                            <p:childTnLst>
-                              <p:par>
-                                <p:cTn id="41" presetID="2" presetClass="entr" presetSubtype="4" fill="hold" grpId="0" nodeType="clickEffect">
-                                  <p:stCondLst>
-                                    <p:cond delay="0"/>
-                                  </p:stCondLst>
-                                  <p:childTnLst>
-                                    <p:set>
-                                      <p:cBhvr>
-                                        <p:cTn id="42" dur="1" fill="hold">
-                                          <p:stCondLst>
-                                            <p:cond delay="0"/>
-                                          </p:stCondLst>
-                                        </p:cTn>
-                                        <p:tgtEl>
-                                          <p:spTgt spid="3">
-                                            <p:txEl>
-                                              <p:pRg st="6" end="6"/>
-                                            </p:txEl>
-                                          </p:spTgt>
-                                        </p:tgtEl>
-                                        <p:attrNameLst>
-                                          <p:attrName>style.visibility</p:attrName>
-                                        </p:attrNameLst>
-                                      </p:cBhvr>
-                                      <p:to>
-                                        <p:strVal val="visible"/>
-                                      </p:to>
-                                    </p:set>
-                                    <p:anim calcmode="lin" valueType="num">
-                                      <p:cBhvr additive="base">
-                                        <p:cTn id="43" dur="500" fill="hold"/>
                                         <p:tgtEl>
                                           <p:spTgt spid="3">
                                             <p:txEl>
@@ -6576,7 +6744,7 @@
                                     </p:anim>
                                     <p:anim calcmode="lin" valueType="num">
                                       <p:cBhvr additive="base">
-                                        <p:cTn id="44" dur="500" fill="hold"/>
+                                        <p:cTn id="38" dur="500" fill="hold"/>
                                         <p:tgtEl>
                                           <p:spTgt spid="3">
                                             <p:txEl>
@@ -6664,6 +6832,355 @@
           <a:p>
             <a:r>
               <a:rPr lang="en-US" altLang="zh-CN"/>
+              <a:t>ng</a:t>
+            </a:r>
+            <a:r>
+              <a:rPr lang="zh-CN" altLang="en-US"/>
+              <a:t>的</a:t>
+            </a:r>
+            <a:r>
+              <a:rPr lang="en-US" altLang="zh-CN"/>
+              <a:t>MVC</a:t>
+            </a:r>
+            <a:r>
+              <a:rPr lang="zh-CN" altLang="en-US"/>
+              <a:t>（</a:t>
+            </a:r>
+            <a:r>
+              <a:rPr lang="en-US" altLang="zh-CN"/>
+              <a:t>MVVM</a:t>
+            </a:r>
+            <a:r>
+              <a:rPr lang="zh-CN" altLang="en-US"/>
+              <a:t>）</a:t>
+            </a:r>
+            <a:endParaRPr lang="zh-CN" altLang="en-US"/>
+          </a:p>
+        </p:txBody>
+      </p:sp>
+      <p:sp>
+        <p:nvSpPr>
+          <p:cNvPr id="3" name="内容占位符 2"/>
+          <p:cNvSpPr>
+            <a:spLocks noGrp="1"/>
+          </p:cNvSpPr>
+          <p:nvPr>
+            <p:ph idx="1"/>
+          </p:nvPr>
+        </p:nvSpPr>
+        <p:spPr/>
+        <p:txBody>
+          <a:bodyPr/>
+          <a:p>
+            <a:pPr algn="l"/>
+            <a:r>
+              <a:rPr lang="en-US" altLang="zh-CN" b="1" u="sng">
+                <a:sym typeface="+mn-ea"/>
+              </a:rPr>
+              <a:t>Model</a:t>
+            </a:r>
+            <a:r>
+              <a:rPr lang="zh-CN" altLang="en-US">
+                <a:sym typeface="+mn-ea"/>
+              </a:rPr>
+              <a:t>：作用域对象中任何一个可取的属性（</a:t>
+            </a:r>
+            <a:r>
+              <a:rPr lang="en-US" altLang="zh-CN" u="sng">
+                <a:sym typeface="+mn-ea"/>
+              </a:rPr>
+              <a:t>$scope</a:t>
+            </a:r>
+            <a:r>
+              <a:rPr lang="en-US" altLang="zh-CN">
+                <a:sym typeface="+mn-ea"/>
+              </a:rPr>
+              <a:t>.somthing</a:t>
+            </a:r>
+            <a:r>
+              <a:rPr lang="zh-CN" altLang="en-US">
+                <a:sym typeface="+mn-ea"/>
+              </a:rPr>
+              <a:t>）。值可以是任意的Javascript对象（字符串、数组、数字</a:t>
+            </a:r>
+            <a:r>
+              <a:rPr lang="en-US" altLang="zh-CN">
+                <a:sym typeface="+mn-ea"/>
+              </a:rPr>
+              <a:t>...</a:t>
+            </a:r>
+            <a:r>
+              <a:rPr lang="zh-CN" altLang="en-US">
+                <a:sym typeface="+mn-ea"/>
+              </a:rPr>
+              <a:t>）。</a:t>
+            </a:r>
+            <a:r>
+              <a:rPr lang="zh-CN" altLang="en-US" u="sng">
+                <a:sym typeface="+mn-ea"/>
+              </a:rPr>
+              <a:t>数据载体</a:t>
+            </a:r>
+            <a:endParaRPr lang="zh-CN" altLang="en-US" u="sng"/>
+          </a:p>
+          <a:p>
+            <a:pPr algn="l"/>
+            <a:r>
+              <a:rPr lang="en-US" altLang="zh-CN" b="1" u="sng">
+                <a:sym typeface="+mn-ea"/>
+              </a:rPr>
+              <a:t>View</a:t>
+            </a:r>
+            <a:r>
+              <a:rPr lang="zh-CN" altLang="en-US">
+                <a:sym typeface="+mn-ea"/>
+              </a:rPr>
+              <a:t>：声明式的</a:t>
+            </a:r>
+            <a:r>
+              <a:rPr lang="zh-CN" altLang="en-US" u="sng">
+                <a:sym typeface="+mn-ea"/>
+              </a:rPr>
+              <a:t>视图模板</a:t>
+            </a:r>
+            <a:r>
+              <a:rPr lang="zh-CN" altLang="en-US">
+                <a:sym typeface="+mn-ea"/>
+              </a:rPr>
+              <a:t>，浏览器将</a:t>
+            </a:r>
+            <a:r>
+              <a:rPr lang="en-US" altLang="zh-CN">
+                <a:sym typeface="+mn-ea"/>
+              </a:rPr>
+              <a:t>model</a:t>
+            </a:r>
+            <a:r>
+              <a:rPr lang="zh-CN" altLang="en-US">
+                <a:sym typeface="+mn-ea"/>
+              </a:rPr>
+              <a:t>渲染为</a:t>
+            </a:r>
+            <a:r>
+              <a:rPr lang="en-US" altLang="zh-CN">
+                <a:sym typeface="+mn-ea"/>
+              </a:rPr>
+              <a:t>DOM</a:t>
+            </a:r>
+            <a:r>
+              <a:rPr lang="zh-CN" altLang="en-US">
+                <a:sym typeface="+mn-ea"/>
+              </a:rPr>
+              <a:t>，视图呈现。</a:t>
+            </a:r>
+            <a:endParaRPr lang="zh-CN" altLang="en-US"/>
+          </a:p>
+          <a:p>
+            <a:pPr algn="l"/>
+            <a:r>
+              <a:rPr lang="en-US" altLang="zh-CN" b="1" u="sng">
+                <a:sym typeface="+mn-ea"/>
+              </a:rPr>
+              <a:t>ViewModel</a:t>
+            </a:r>
+            <a:r>
+              <a:rPr lang="zh-CN" altLang="en-US">
+                <a:sym typeface="+mn-ea"/>
+              </a:rPr>
+              <a:t>：通过 </a:t>
+            </a:r>
+            <a:r>
+              <a:rPr lang="en-US" altLang="zh-CN">
+                <a:sym typeface="+mn-ea"/>
+              </a:rPr>
+              <a:t>$scope </a:t>
+            </a:r>
+            <a:r>
+              <a:rPr lang="zh-CN" altLang="en-US">
+                <a:sym typeface="+mn-ea"/>
+              </a:rPr>
+              <a:t>串联起 </a:t>
+            </a:r>
+            <a:r>
+              <a:rPr lang="en-US" altLang="zh-CN">
+                <a:sym typeface="+mn-ea"/>
+              </a:rPr>
+              <a:t>model </a:t>
+            </a:r>
+            <a:r>
+              <a:rPr lang="zh-CN" altLang="en-US">
+                <a:sym typeface="+mn-ea"/>
+              </a:rPr>
+              <a:t>与 </a:t>
+            </a:r>
+            <a:r>
+              <a:rPr lang="en-US" altLang="zh-CN">
+                <a:sym typeface="+mn-ea"/>
+              </a:rPr>
+              <a:t>view</a:t>
+            </a:r>
+            <a:r>
+              <a:rPr lang="zh-CN" altLang="en-US">
+                <a:sym typeface="+mn-ea"/>
+              </a:rPr>
+              <a:t>，形成</a:t>
+            </a:r>
+            <a:r>
+              <a:rPr lang="zh-CN" altLang="en-US" u="sng">
+                <a:sym typeface="+mn-ea"/>
+              </a:rPr>
+              <a:t>双向数据绑定</a:t>
+            </a:r>
+            <a:r>
+              <a:rPr lang="zh-CN" altLang="en-US">
+                <a:sym typeface="+mn-ea"/>
+              </a:rPr>
+              <a:t>，是</a:t>
+            </a:r>
+            <a:r>
+              <a:rPr lang="en-US" altLang="zh-CN">
+                <a:sym typeface="+mn-ea"/>
+              </a:rPr>
+              <a:t>mode &amp; view </a:t>
+            </a:r>
+            <a:r>
+              <a:rPr lang="zh-CN" altLang="en-US">
+                <a:sym typeface="+mn-ea"/>
+              </a:rPr>
+              <a:t>的粘合剂（过滤器、模板、表达式、指令</a:t>
+            </a:r>
+            <a:r>
+              <a:rPr lang="en-US" altLang="zh-CN">
+                <a:sym typeface="+mn-ea"/>
+              </a:rPr>
+              <a:t>...</a:t>
+            </a:r>
+            <a:r>
+              <a:rPr lang="zh-CN" altLang="en-US">
+                <a:sym typeface="+mn-ea"/>
+              </a:rPr>
+              <a:t>）</a:t>
+            </a:r>
+            <a:endParaRPr lang="zh-CN" altLang="en-US">
+              <a:sym typeface="+mn-ea"/>
+            </a:endParaRPr>
+          </a:p>
+          <a:p>
+            <a:pPr lvl="1" algn="l"/>
+            <a:r>
+              <a:rPr lang="en-US" b="1" u="sng">
+                <a:sym typeface="+mn-ea"/>
+              </a:rPr>
+              <a:t>controller</a:t>
+            </a:r>
+            <a:r>
+              <a:rPr lang="en-US" altLang="zh-CN">
+                <a:sym typeface="+mn-ea"/>
+              </a:rPr>
+              <a:t> </a:t>
+            </a:r>
+            <a:r>
+              <a:rPr lang="zh-CN" altLang="en-US">
+                <a:sym typeface="+mn-ea"/>
+              </a:rPr>
+              <a:t>控制器，</a:t>
+            </a:r>
+            <a:r>
+              <a:rPr lang="en-US" altLang="zh-CN">
+                <a:sym typeface="+mn-ea"/>
+              </a:rPr>
+              <a:t>VM</a:t>
+            </a:r>
+            <a:r>
+              <a:rPr lang="zh-CN" altLang="en-US">
+                <a:sym typeface="+mn-ea"/>
+              </a:rPr>
+              <a:t>的一部分，加载、加工、操作作用域</a:t>
+            </a:r>
+            <a:r>
+              <a:rPr lang="en-US" altLang="zh-CN">
+                <a:sym typeface="+mn-ea"/>
+              </a:rPr>
+              <a:t>model</a:t>
+            </a:r>
+            <a:r>
+              <a:rPr lang="zh-CN" altLang="en-US">
+                <a:sym typeface="+mn-ea"/>
+              </a:rPr>
+              <a:t>的函数，负责</a:t>
+            </a:r>
+            <a:r>
+              <a:rPr lang="zh-CN" altLang="en-US" u="sng">
+                <a:sym typeface="+mn-ea"/>
+              </a:rPr>
+              <a:t>ViewModel的初始化</a:t>
+            </a:r>
+            <a:r>
+              <a:rPr lang="zh-CN" altLang="en-US">
+                <a:sym typeface="+mn-ea"/>
+              </a:rPr>
+              <a:t>，大量的业务编程发生在这里</a:t>
+            </a:r>
+            <a:endParaRPr lang="zh-CN" altLang="en-US"/>
+          </a:p>
+          <a:p>
+            <a:pPr algn="l"/>
+            <a:r>
+              <a:rPr lang="en-US" altLang="zh-CN">
+                <a:sym typeface="+mn-ea"/>
+              </a:rPr>
+              <a:t>VM, controller etc... So, </a:t>
+            </a:r>
+            <a:r>
+              <a:rPr lang="en-US" altLang="zh-CN" b="1">
+                <a:sym typeface="+mn-ea"/>
+              </a:rPr>
+              <a:t>whatever</a:t>
+            </a:r>
+            <a:r>
+              <a:rPr lang="en-US" altLang="zh-CN">
+                <a:sym typeface="+mn-ea"/>
+              </a:rPr>
+              <a:t>!</a:t>
+            </a:r>
+            <a:endParaRPr lang="zh-CN" altLang="en-US"/>
+          </a:p>
+        </p:txBody>
+      </p:sp>
+    </p:spTree>
+  </p:cSld>
+  <p:clrMapOvr>
+    <a:masterClrMapping/>
+  </p:clrMapOvr>
+</p:sld>
+</file>
+
+<file path=ppt/slides/slide5.xml><?xml version="1.0" encoding="utf-8"?>
+<p:sld xmlns:a="http://schemas.openxmlformats.org/drawingml/2006/main" xmlns:r="http://schemas.openxmlformats.org/officeDocument/2006/relationships" xmlns:p="http://schemas.openxmlformats.org/presentationml/2006/main">
+  <p:cSld>
+    <p:spTree>
+      <p:nvGrpSpPr>
+        <p:cNvPr id="1" name=""/>
+        <p:cNvGrpSpPr/>
+        <p:nvPr/>
+      </p:nvGrpSpPr>
+      <p:grpSpPr/>
+      <p:sp>
+        <p:nvSpPr>
+          <p:cNvPr id="2" name="标题 1"/>
+          <p:cNvSpPr>
+            <a:spLocks noGrp="1"/>
+          </p:cNvSpPr>
+          <p:nvPr>
+            <p:ph type="title"/>
+          </p:nvPr>
+        </p:nvSpPr>
+        <p:spPr/>
+        <p:txBody>
+          <a:bodyPr/>
+          <a:p>
+            <a:r>
+              <a:rPr lang="en-US" altLang="zh-CN"/>
               <a:t>MVC</a:t>
             </a:r>
             <a:endParaRPr lang="en-US" altLang="zh-CN"/>
@@ -6704,7 +7221,7 @@
 </p:sld>
 </file>
 
-<file path=ppt/slides/slide5.xml><?xml version="1.0" encoding="utf-8"?>
+<file path=ppt/slides/slide6.xml><?xml version="1.0" encoding="utf-8"?>
 <p:sld xmlns:a="http://schemas.openxmlformats.org/drawingml/2006/main" xmlns:r="http://schemas.openxmlformats.org/officeDocument/2006/relationships" xmlns:p="http://schemas.openxmlformats.org/presentationml/2006/main">
   <p:cSld>
     <p:spTree>
@@ -6777,7 +7294,7 @@
 </p:sld>
 </file>
 
-<file path=ppt/slides/slide6.xml><?xml version="1.0" encoding="utf-8"?>
+<file path=ppt/slides/slide7.xml><?xml version="1.0" encoding="utf-8"?>
 <p:sld xmlns:a="http://schemas.openxmlformats.org/drawingml/2006/main" xmlns:r="http://schemas.openxmlformats.org/officeDocument/2006/relationships" xmlns:p="http://schemas.openxmlformats.org/presentationml/2006/main">
   <p:cSld>
     <p:spTree>
@@ -7421,7 +7938,7 @@
 </p:sld>
 </file>
 
-<file path=ppt/slides/slide7.xml><?xml version="1.0" encoding="utf-8"?>
+<file path=ppt/slides/slide8.xml><?xml version="1.0" encoding="utf-8"?>
 <p:sld xmlns:a="http://schemas.openxmlformats.org/drawingml/2006/main" xmlns:r="http://schemas.openxmlformats.org/officeDocument/2006/relationships" xmlns:p="http://schemas.openxmlformats.org/presentationml/2006/main">
   <p:cSld>
     <p:spTree>
@@ -7490,185 +8007,6 @@
 </p:sld>
 </file>
 
-<file path=ppt/slides/slide8.xml><?xml version="1.0" encoding="utf-8"?>
-<p:sld xmlns:a="http://schemas.openxmlformats.org/drawingml/2006/main" xmlns:r="http://schemas.openxmlformats.org/officeDocument/2006/relationships" xmlns:p="http://schemas.openxmlformats.org/presentationml/2006/main">
-  <p:cSld>
-    <p:spTree>
-      <p:nvGrpSpPr>
-        <p:cNvPr id="1" name=""/>
-        <p:cNvGrpSpPr/>
-        <p:nvPr/>
-      </p:nvGrpSpPr>
-      <p:grpSpPr/>
-      <p:sp>
-        <p:nvSpPr>
-          <p:cNvPr id="2" name="标题 1"/>
-          <p:cNvSpPr>
-            <a:spLocks noGrp="1"/>
-          </p:cNvSpPr>
-          <p:nvPr>
-            <p:ph type="title"/>
-          </p:nvPr>
-        </p:nvSpPr>
-        <p:spPr/>
-        <p:txBody>
-          <a:bodyPr/>
-          <a:p>
-            <a:r>
-              <a:rPr lang="zh-CN" altLang="en-US"/>
-              <a:t>开发思路</a:t>
-            </a:r>
-            <a:endParaRPr lang="zh-CN" altLang="en-US"/>
-          </a:p>
-        </p:txBody>
-      </p:sp>
-      <p:sp>
-        <p:nvSpPr>
-          <p:cNvPr id="3" name="内容占位符 2"/>
-          <p:cNvSpPr>
-            <a:spLocks noGrp="1"/>
-          </p:cNvSpPr>
-          <p:nvPr>
-            <p:ph idx="1"/>
-          </p:nvPr>
-        </p:nvSpPr>
-        <p:spPr/>
-        <p:txBody>
-          <a:bodyPr/>
-          <a:p>
-            <a:pPr algn="l"/>
-            <a:r>
-              <a:rPr lang="zh-CN" altLang="en-US"/>
-              <a:t>于是，开发模式上我们可以这样：</a:t>
-            </a:r>
-            <a:br>
-              <a:rPr lang="zh-CN" altLang="en-US"/>
-            </a:br>
-            <a:br>
-              <a:rPr lang="zh-CN" altLang="en-US"/>
-            </a:br>
-            <a:r>
-              <a:rPr lang="zh-CN" altLang="en-US"/>
-              <a:t>先考虑需要什么样的</a:t>
-            </a:r>
-            <a:r>
-              <a:rPr lang="zh-CN" altLang="en-US" b="1" u="sng"/>
-              <a:t>数据</a:t>
-            </a:r>
-            <a:r>
-              <a:rPr lang="zh-CN" altLang="en-US"/>
-              <a:t>（</a:t>
-            </a:r>
-            <a:r>
-              <a:rPr lang="en-US" altLang="zh-CN"/>
-              <a:t>model</a:t>
-            </a:r>
-            <a:r>
-              <a:rPr lang="zh-CN" altLang="en-US"/>
-              <a:t>）</a:t>
-            </a:r>
-            <a:br>
-              <a:rPr lang="zh-CN" altLang="en-US"/>
-            </a:br>
-            <a:r>
-              <a:rPr lang="zh-CN" altLang="en-US"/>
-              <a:t>                     </a:t>
-            </a:r>
-            <a:r>
-              <a:rPr lang="en-US" altLang="zh-CN"/>
-              <a:t>|</a:t>
-            </a:r>
-            <a:br>
-              <a:rPr lang="zh-CN" altLang="en-US"/>
-            </a:br>
-            <a:r>
-              <a:rPr lang="zh-CN" altLang="en-US"/>
-              <a:t>尽量少的考虑如何将数据呈现到视图（</a:t>
-            </a:r>
-            <a:r>
-              <a:rPr lang="en-US" altLang="zh-CN"/>
-              <a:t>view</a:t>
-            </a:r>
-            <a:r>
-              <a:rPr lang="zh-CN" altLang="en-US"/>
-              <a:t>）</a:t>
-            </a:r>
-            <a:r>
-              <a:rPr lang="zh-CN" altLang="en-US">
-                <a:sym typeface="+mn-ea"/>
-              </a:rPr>
-              <a:t>？</a:t>
-            </a:r>
-            <a:br>
-              <a:rPr lang="zh-CN" altLang="en-US">
-                <a:sym typeface="+mn-ea"/>
-              </a:rPr>
-            </a:br>
-            <a:r>
-              <a:rPr lang="zh-CN" altLang="en-US">
-                <a:sym typeface="+mn-ea"/>
-              </a:rPr>
-              <a:t>因为</a:t>
-            </a:r>
-            <a:r>
-              <a:rPr lang="en-US" altLang="zh-CN">
-                <a:sym typeface="+mn-ea"/>
-              </a:rPr>
-              <a:t>ng</a:t>
-            </a:r>
-            <a:r>
-              <a:rPr lang="zh-CN" altLang="en-US">
-                <a:sym typeface="+mn-ea"/>
-              </a:rPr>
-              <a:t>默默的工作着</a:t>
-            </a:r>
-            <a:endParaRPr lang="zh-CN" altLang="en-US">
-              <a:sym typeface="+mn-ea"/>
-            </a:endParaRPr>
-          </a:p>
-          <a:p>
-            <a:pPr algn="l"/>
-            <a:r>
-              <a:rPr lang="zh-CN" altLang="en-US">
-                <a:sym typeface="+mn-ea"/>
-              </a:rPr>
-              <a:t>更专注业务需求</a:t>
-            </a:r>
-            <a:br>
-              <a:rPr lang="zh-CN" altLang="en-US">
-                <a:sym typeface="+mn-ea"/>
-              </a:rPr>
-            </a:br>
-            <a:r>
-              <a:rPr lang="en-US" altLang="zh-CN">
-                <a:sym typeface="+mn-ea"/>
-              </a:rPr>
-              <a:t>ui</a:t>
-            </a:r>
-            <a:r>
-              <a:rPr lang="zh-CN" altLang="en-US">
-                <a:sym typeface="+mn-ea"/>
-              </a:rPr>
-              <a:t>组件化，Web components，directive</a:t>
-            </a:r>
-            <a:endParaRPr lang="zh-CN" altLang="en-US">
-              <a:sym typeface="+mn-ea"/>
-            </a:endParaRPr>
-          </a:p>
-          <a:p>
-            <a:pPr algn="l"/>
-            <a:endParaRPr lang="zh-CN" altLang="en-US"/>
-          </a:p>
-        </p:txBody>
-      </p:sp>
-    </p:spTree>
-  </p:cSld>
-  <p:clrMapOvr>
-    <a:masterClrMapping/>
-  </p:clrMapOvr>
-</p:sld>
-</file>
-
 <file path=ppt/slides/slide9.xml><?xml version="1.0" encoding="utf-8"?>
 <p:sld xmlns:a="http://schemas.openxmlformats.org/drawingml/2006/main" xmlns:r="http://schemas.openxmlformats.org/officeDocument/2006/relationships" xmlns:p="http://schemas.openxmlformats.org/presentationml/2006/main">
   <p:cSld>
@@ -7695,7 +8033,7 @@
           <a:p>
             <a:r>
               <a:rPr lang="zh-CN" altLang="en-US"/>
-              <a:t>演示</a:t>
+              <a:t>开发思路</a:t>
             </a:r>
             <a:endParaRPr lang="zh-CN" altLang="en-US"/>
           </a:p>
@@ -7717,24 +8055,131 @@
           <a:p>
             <a:pPr algn="l"/>
             <a:r>
+              <a:rPr lang="zh-CN" altLang="en-US"/>
+              <a:t>于是，开发模式上我们可以这样：</a:t>
+            </a:r>
+            <a:br>
+              <a:rPr lang="zh-CN" altLang="en-US"/>
+            </a:br>
+            <a:br>
+              <a:rPr lang="zh-CN" altLang="en-US"/>
+            </a:br>
+            <a:r>
+              <a:rPr lang="zh-CN" altLang="en-US"/>
+              <a:t>先考虑需要什么样的</a:t>
+            </a:r>
+            <a:r>
+              <a:rPr lang="zh-CN" altLang="en-US" b="1" u="sng"/>
+              <a:t>数据</a:t>
+            </a:r>
+            <a:r>
+              <a:rPr lang="zh-CN" altLang="en-US"/>
+              <a:t>（</a:t>
+            </a:r>
+            <a:r>
               <a:rPr lang="en-US" altLang="zh-CN"/>
-              <a:t>hello world</a:t>
+              <a:t>model</a:t>
+            </a:r>
+            <a:r>
+              <a:rPr lang="zh-CN" altLang="en-US"/>
+              <a:t>）</a:t>
             </a:r>
             <a:br>
+              <a:rPr lang="zh-CN" altLang="en-US"/>
+            </a:br>
+            <a:r>
+              <a:rPr lang="zh-CN" altLang="en-US"/>
+              <a:t>                     </a:t>
+            </a:r>
+            <a:r>
               <a:rPr lang="en-US" altLang="zh-CN"/>
+              <a:t>|</a:t>
+            </a:r>
+            <a:br>
+              <a:rPr lang="zh-CN" altLang="en-US"/>
             </a:br>
             <a:r>
+              <a:rPr lang="zh-CN" altLang="en-US"/>
+              <a:t>尽量少的考虑如何将数据呈现到视图（</a:t>
+            </a:r>
+            <a:r>
               <a:rPr lang="en-US" altLang="zh-CN"/>
-              <a:t>jquery &amp; angular</a:t>
-            </a:r>
-            <a:endParaRPr lang="en-US" altLang="zh-CN"/>
+              <a:t>view</a:t>
+            </a:r>
+            <a:r>
+              <a:rPr lang="zh-CN" altLang="en-US"/>
+              <a:t>）</a:t>
+            </a:r>
+            <a:r>
+              <a:rPr lang="zh-CN" altLang="en-US">
+                <a:sym typeface="+mn-ea"/>
+              </a:rPr>
+              <a:t>？</a:t>
+            </a:r>
+            <a:br>
+              <a:rPr lang="zh-CN" altLang="en-US">
+                <a:sym typeface="+mn-ea"/>
+              </a:rPr>
+            </a:br>
+            <a:r>
+              <a:rPr lang="zh-CN" altLang="en-US">
+                <a:sym typeface="+mn-ea"/>
+              </a:rPr>
+              <a:t>因为</a:t>
+            </a:r>
+            <a:r>
+              <a:rPr lang="en-US" altLang="zh-CN">
+                <a:sym typeface="+mn-ea"/>
+              </a:rPr>
+              <a:t>ng</a:t>
+            </a:r>
+            <a:r>
+              <a:rPr lang="zh-CN" altLang="en-US">
+                <a:sym typeface="+mn-ea"/>
+              </a:rPr>
+              <a:t>默默的工作着</a:t>
+            </a:r>
+            <a:endParaRPr lang="zh-CN" altLang="en-US">
+              <a:sym typeface="+mn-ea"/>
+            </a:endParaRPr>
           </a:p>
           <a:p>
             <a:pPr algn="l"/>
-            <a:r>
-              <a:rPr lang="zh-CN" altLang="en-US"/>
-              <a:t>演示双向数据绑定</a:t>
-            </a:r>
+            <a:endParaRPr lang="zh-CN" altLang="en-US">
+              <a:sym typeface="+mn-ea"/>
+            </a:endParaRPr>
+          </a:p>
+          <a:p>
+            <a:pPr algn="l"/>
+            <a:r>
+              <a:rPr lang="zh-CN" altLang="en-US">
+                <a:sym typeface="+mn-ea"/>
+              </a:rPr>
+              <a:t>更专注业务需求</a:t>
+            </a:r>
+            <a:br>
+              <a:rPr lang="zh-CN" altLang="en-US">
+                <a:sym typeface="+mn-ea"/>
+              </a:rPr>
+            </a:br>
+            <a:r>
+              <a:rPr lang="en-US" altLang="zh-CN">
+                <a:sym typeface="+mn-ea"/>
+              </a:rPr>
+              <a:t>ui</a:t>
+            </a:r>
+            <a:r>
+              <a:rPr lang="zh-CN" altLang="en-US">
+                <a:sym typeface="+mn-ea"/>
+              </a:rPr>
+              <a:t>组件化，Web components，directive</a:t>
+            </a:r>
+            <a:endParaRPr lang="zh-CN" altLang="en-US">
+              <a:sym typeface="+mn-ea"/>
+            </a:endParaRPr>
+          </a:p>
+          <a:p>
+            <a:pPr algn="l"/>
             <a:endParaRPr lang="zh-CN" altLang="en-US"/>
           </a:p>
         </p:txBody>
